--- a/packages/tree/树形控件笔记.pptx
+++ b/packages/tree/树形控件笔记.pptx
@@ -192,6 +192,7 @@
           <a:p>
             <a:fld id="{A763431F-90BC-4CA3-95E3-051B1413E9A2}" type="datetimeFigureOut">
               <a:rPr lang="zh-CN" altLang="en-US" smtClean="0"/>
+              <a:pPr/>
               <a:t>2020/5/16</a:t>
             </a:fld>
             <a:endParaRPr lang="zh-CN" altLang="en-US"/>
@@ -258,6 +259,7 @@
           <a:p>
             <a:fld id="{345BE0B4-B7C5-4DBF-A1BE-7F20665DE445}" type="slidenum">
               <a:rPr lang="zh-CN" altLang="en-US" smtClean="0"/>
+              <a:pPr/>
               <a:t>‹#›</a:t>
             </a:fld>
             <a:endParaRPr lang="zh-CN" altLang="en-US"/>
@@ -404,6 +406,7 @@
           <a:p>
             <a:fld id="{E7999FA0-13AB-4901-B04B-75477CCE6337}" type="datetimeFigureOut">
               <a:rPr lang="zh-CN" altLang="en-US" smtClean="0"/>
+              <a:pPr/>
               <a:t>2020/5/16</a:t>
             </a:fld>
             <a:endParaRPr lang="zh-CN" altLang="en-US"/>
@@ -446,6 +449,7 @@
           <a:p>
             <a:fld id="{AAE3A3C8-2914-451B-AA60-52E75D17BB45}" type="slidenum">
               <a:rPr lang="zh-CN" altLang="en-US" smtClean="0"/>
+              <a:pPr/>
               <a:t>‹#›</a:t>
             </a:fld>
             <a:endParaRPr lang="zh-CN" altLang="en-US"/>
@@ -579,6 +583,7 @@
           <a:p>
             <a:fld id="{E7999FA0-13AB-4901-B04B-75477CCE6337}" type="datetimeFigureOut">
               <a:rPr lang="zh-CN" altLang="en-US" smtClean="0"/>
+              <a:pPr/>
               <a:t>2020/5/16</a:t>
             </a:fld>
             <a:endParaRPr lang="zh-CN" altLang="en-US"/>
@@ -621,6 +626,7 @@
           <a:p>
             <a:fld id="{AAE3A3C8-2914-451B-AA60-52E75D17BB45}" type="slidenum">
               <a:rPr lang="zh-CN" altLang="en-US" smtClean="0"/>
+              <a:pPr/>
               <a:t>‹#›</a:t>
             </a:fld>
             <a:endParaRPr lang="zh-CN" altLang="en-US"/>
@@ -744,6 +750,7 @@
           <a:p>
             <a:fld id="{E7999FA0-13AB-4901-B04B-75477CCE6337}" type="datetimeFigureOut">
               <a:rPr lang="zh-CN" altLang="en-US" smtClean="0"/>
+              <a:pPr/>
               <a:t>2020/5/16</a:t>
             </a:fld>
             <a:endParaRPr lang="zh-CN" altLang="en-US"/>
@@ -786,6 +793,7 @@
           <a:p>
             <a:fld id="{AAE3A3C8-2914-451B-AA60-52E75D17BB45}" type="slidenum">
               <a:rPr lang="zh-CN" altLang="en-US" smtClean="0"/>
+              <a:pPr/>
               <a:t>‹#›</a:t>
             </a:fld>
             <a:endParaRPr lang="zh-CN" altLang="en-US"/>
@@ -985,6 +993,7 @@
           <a:p>
             <a:fld id="{E7999FA0-13AB-4901-B04B-75477CCE6337}" type="datetimeFigureOut">
               <a:rPr lang="zh-CN" altLang="en-US" smtClean="0"/>
+              <a:pPr/>
               <a:t>2020/5/16</a:t>
             </a:fld>
             <a:endParaRPr lang="zh-CN" altLang="en-US"/>
@@ -1027,6 +1036,7 @@
           <a:p>
             <a:fld id="{AAE3A3C8-2914-451B-AA60-52E75D17BB45}" type="slidenum">
               <a:rPr lang="zh-CN" altLang="en-US" smtClean="0"/>
+              <a:pPr/>
               <a:t>‹#›</a:t>
             </a:fld>
             <a:endParaRPr lang="zh-CN" altLang="en-US"/>
@@ -1268,6 +1278,7 @@
           <a:p>
             <a:fld id="{E7999FA0-13AB-4901-B04B-75477CCE6337}" type="datetimeFigureOut">
               <a:rPr lang="zh-CN" altLang="en-US" smtClean="0"/>
+              <a:pPr/>
               <a:t>2020/5/16</a:t>
             </a:fld>
             <a:endParaRPr lang="zh-CN" altLang="en-US"/>
@@ -1310,6 +1321,7 @@
           <a:p>
             <a:fld id="{AAE3A3C8-2914-451B-AA60-52E75D17BB45}" type="slidenum">
               <a:rPr lang="zh-CN" altLang="en-US" smtClean="0"/>
+              <a:pPr/>
               <a:t>‹#›</a:t>
             </a:fld>
             <a:endParaRPr lang="zh-CN" altLang="en-US"/>
@@ -1685,6 +1697,7 @@
           <a:p>
             <a:fld id="{E7999FA0-13AB-4901-B04B-75477CCE6337}" type="datetimeFigureOut">
               <a:rPr lang="zh-CN" altLang="en-US" smtClean="0"/>
+              <a:pPr/>
               <a:t>2020/5/16</a:t>
             </a:fld>
             <a:endParaRPr lang="zh-CN" altLang="en-US"/>
@@ -1727,6 +1740,7 @@
           <a:p>
             <a:fld id="{AAE3A3C8-2914-451B-AA60-52E75D17BB45}" type="slidenum">
               <a:rPr lang="zh-CN" altLang="en-US" smtClean="0"/>
+              <a:pPr/>
               <a:t>‹#›</a:t>
             </a:fld>
             <a:endParaRPr lang="zh-CN" altLang="en-US"/>
@@ -1798,6 +1812,7 @@
           <a:p>
             <a:fld id="{E7999FA0-13AB-4901-B04B-75477CCE6337}" type="datetimeFigureOut">
               <a:rPr lang="zh-CN" altLang="en-US" smtClean="0"/>
+              <a:pPr/>
               <a:t>2020/5/16</a:t>
             </a:fld>
             <a:endParaRPr lang="zh-CN" altLang="en-US"/>
@@ -1840,6 +1855,7 @@
           <a:p>
             <a:fld id="{AAE3A3C8-2914-451B-AA60-52E75D17BB45}" type="slidenum">
               <a:rPr lang="zh-CN" altLang="en-US" smtClean="0"/>
+              <a:pPr/>
               <a:t>‹#›</a:t>
             </a:fld>
             <a:endParaRPr lang="zh-CN" altLang="en-US"/>
@@ -1888,6 +1904,7 @@
           <a:p>
             <a:fld id="{E7999FA0-13AB-4901-B04B-75477CCE6337}" type="datetimeFigureOut">
               <a:rPr lang="zh-CN" altLang="en-US" smtClean="0"/>
+              <a:pPr/>
               <a:t>2020/5/16</a:t>
             </a:fld>
             <a:endParaRPr lang="zh-CN" altLang="en-US"/>
@@ -1930,6 +1947,7 @@
           <a:p>
             <a:fld id="{AAE3A3C8-2914-451B-AA60-52E75D17BB45}" type="slidenum">
               <a:rPr lang="zh-CN" altLang="en-US" smtClean="0"/>
+              <a:pPr/>
               <a:t>‹#›</a:t>
             </a:fld>
             <a:endParaRPr lang="zh-CN" altLang="en-US"/>
@@ -2160,6 +2178,7 @@
           <a:p>
             <a:fld id="{E7999FA0-13AB-4901-B04B-75477CCE6337}" type="datetimeFigureOut">
               <a:rPr lang="zh-CN" altLang="en-US" smtClean="0"/>
+              <a:pPr/>
               <a:t>2020/5/16</a:t>
             </a:fld>
             <a:endParaRPr lang="zh-CN" altLang="en-US"/>
@@ -2202,6 +2221,7 @@
           <a:p>
             <a:fld id="{AAE3A3C8-2914-451B-AA60-52E75D17BB45}" type="slidenum">
               <a:rPr lang="zh-CN" altLang="en-US" smtClean="0"/>
+              <a:pPr/>
               <a:t>‹#›</a:t>
             </a:fld>
             <a:endParaRPr lang="zh-CN" altLang="en-US"/>
@@ -2408,6 +2428,7 @@
           <a:p>
             <a:fld id="{E7999FA0-13AB-4901-B04B-75477CCE6337}" type="datetimeFigureOut">
               <a:rPr lang="zh-CN" altLang="en-US" smtClean="0"/>
+              <a:pPr/>
               <a:t>2020/5/16</a:t>
             </a:fld>
             <a:endParaRPr lang="zh-CN" altLang="en-US"/>
@@ -2450,6 +2471,7 @@
           <a:p>
             <a:fld id="{AAE3A3C8-2914-451B-AA60-52E75D17BB45}" type="slidenum">
               <a:rPr lang="zh-CN" altLang="en-US" smtClean="0"/>
+              <a:pPr/>
               <a:t>‹#›</a:t>
             </a:fld>
             <a:endParaRPr lang="zh-CN" altLang="en-US"/>
@@ -2616,6 +2638,7 @@
           <a:p>
             <a:fld id="{E7999FA0-13AB-4901-B04B-75477CCE6337}" type="datetimeFigureOut">
               <a:rPr lang="zh-CN" altLang="en-US" smtClean="0"/>
+              <a:pPr/>
               <a:t>2020/5/16</a:t>
             </a:fld>
             <a:endParaRPr lang="zh-CN" altLang="en-US"/>
@@ -2694,6 +2717,7 @@
           <a:p>
             <a:fld id="{AAE3A3C8-2914-451B-AA60-52E75D17BB45}" type="slidenum">
               <a:rPr lang="zh-CN" altLang="en-US" smtClean="0"/>
+              <a:pPr/>
               <a:t>‹#›</a:t>
             </a:fld>
             <a:endParaRPr lang="zh-CN" altLang="en-US"/>
@@ -4023,10 +4047,6 @@
               </a:rPr>
               <a:t>})</a:t>
             </a:r>
-            <a:endParaRPr lang="en-US" altLang="zh-CN" sz="1100" dirty="0" smtClean="0">
-              <a:latin typeface="Arial" pitchFamily="34" charset="0"/>
-              <a:cs typeface="Arial" pitchFamily="34" charset="0"/>
-            </a:endParaRPr>
           </a:p>
         </p:txBody>
       </p:sp>
@@ -4603,7 +4623,7 @@
         </p:nvSpPr>
         <p:spPr>
           <a:xfrm>
-            <a:off x="2664420" y="4284551"/>
+            <a:off x="6912892" y="5112630"/>
             <a:ext cx="540060" cy="276999"/>
           </a:xfrm>
           <a:prstGeom prst="rect">
@@ -4750,7 +4770,7 @@
         </p:nvSpPr>
         <p:spPr>
           <a:xfrm>
-            <a:off x="2664421" y="4680595"/>
+            <a:off x="6912893" y="5508674"/>
             <a:ext cx="748923" cy="261610"/>
           </a:xfrm>
           <a:prstGeom prst="rect">
@@ -5503,7 +5523,6 @@
               <a:rPr lang="en-US" altLang="zh-CN" sz="1200" dirty="0" smtClean="0"/>
               <a:t>()</a:t>
             </a:r>
-            <a:endParaRPr lang="en-US" altLang="zh-CN" sz="1200" dirty="0" smtClean="0"/>
           </a:p>
         </p:txBody>
       </p:sp>
@@ -6113,7 +6132,7 @@
         <p:spPr>
           <a:xfrm>
             <a:off x="10801325" y="4824611"/>
-            <a:ext cx="3312368" cy="907941"/>
+            <a:ext cx="3312368" cy="430887"/>
           </a:xfrm>
           <a:prstGeom prst="rect">
             <a:avLst/>
@@ -6194,12 +6213,10 @@
                   </a:schemeClr>
                 </a:solidFill>
               </a:rPr>
-              <a:t> );</a:t>
-            </a:r>
-          </a:p>
-          <a:p>
-            <a:r>
-              <a:rPr lang="zh-CN" altLang="en-US" sz="1100" dirty="0" smtClean="0">
+              <a:t> </a:t>
+            </a:r>
+            <a:r>
+              <a:rPr lang="en-US" altLang="zh-CN" sz="1100" dirty="0" smtClean="0">
                 <a:solidFill>
                   <a:schemeClr val="tx1">
                     <a:lumMod val="95000"/>
@@ -6207,137 +6224,9 @@
                   </a:schemeClr>
                 </a:solidFill>
               </a:rPr>
-              <a:t>给</a:t>
-            </a:r>
-            <a:r>
-              <a:rPr lang="zh-CN" altLang="en-US" sz="1100" dirty="0">
-                <a:solidFill>
-                  <a:schemeClr val="tx1">
-                    <a:lumMod val="95000"/>
-                    <a:lumOff val="5000"/>
-                  </a:schemeClr>
-                </a:solidFill>
-              </a:rPr>
-              <a:t>新</a:t>
-            </a:r>
-            <a:r>
-              <a:rPr lang="zh-CN" altLang="en-US" sz="1100" dirty="0" smtClean="0">
-                <a:solidFill>
-                  <a:schemeClr val="tx1">
-                    <a:lumMod val="95000"/>
-                    <a:lumOff val="5000"/>
-                  </a:schemeClr>
-                </a:solidFill>
-              </a:rPr>
-              <a:t>节点的</a:t>
-            </a:r>
-            <a:r>
-              <a:rPr lang="en-US" altLang="zh-CN" sz="1100" dirty="0" smtClean="0">
-                <a:solidFill>
-                  <a:schemeClr val="tx1">
-                    <a:lumMod val="95000"/>
-                    <a:lumOff val="5000"/>
-                  </a:schemeClr>
-                </a:solidFill>
-              </a:rPr>
-              <a:t>level</a:t>
-            </a:r>
-            <a:r>
-              <a:rPr lang="zh-CN" altLang="en-US" sz="1100" dirty="0" smtClean="0">
-                <a:solidFill>
-                  <a:schemeClr val="tx1">
-                    <a:lumMod val="95000"/>
-                    <a:lumOff val="5000"/>
-                  </a:schemeClr>
-                </a:solidFill>
-              </a:rPr>
-              <a:t>加</a:t>
-            </a:r>
-            <a:r>
-              <a:rPr lang="en-US" altLang="zh-CN" sz="1100" dirty="0" smtClean="0">
-                <a:solidFill>
-                  <a:schemeClr val="tx1">
-                    <a:lumMod val="95000"/>
-                    <a:lumOff val="5000"/>
-                  </a:schemeClr>
-                </a:solidFill>
-              </a:rPr>
-              <a:t>1</a:t>
-            </a:r>
-            <a:r>
-              <a:rPr lang="zh-CN" altLang="en-US" sz="1100" dirty="0" smtClean="0">
-                <a:solidFill>
-                  <a:schemeClr val="tx1">
-                    <a:lumMod val="95000"/>
-                    <a:lumOff val="5000"/>
-                  </a:schemeClr>
-                </a:solidFill>
-              </a:rPr>
-              <a:t>：</a:t>
+              <a:t>);</a:t>
             </a:r>
             <a:endParaRPr lang="en-US" altLang="zh-CN" sz="1100" dirty="0" smtClean="0">
-              <a:solidFill>
-                <a:schemeClr val="tx1">
-                  <a:lumMod val="95000"/>
-                  <a:lumOff val="5000"/>
-                </a:schemeClr>
-              </a:solidFill>
-            </a:endParaRPr>
-          </a:p>
-          <a:p>
-            <a:r>
-              <a:rPr lang="en-US" altLang="zh-CN" sz="1100" dirty="0" err="1" smtClean="0">
-                <a:solidFill>
-                  <a:srgbClr val="7030A0"/>
-                </a:solidFill>
-              </a:rPr>
-              <a:t>child</a:t>
-            </a:r>
-            <a:r>
-              <a:rPr lang="en-US" altLang="zh-CN" sz="1100" dirty="0" err="1" smtClean="0">
-                <a:solidFill>
-                  <a:schemeClr val="tx1">
-                    <a:lumMod val="95000"/>
-                    <a:lumOff val="5000"/>
-                  </a:schemeClr>
-                </a:solidFill>
-              </a:rPr>
-              <a:t>.level</a:t>
-            </a:r>
-            <a:r>
-              <a:rPr lang="en-US" altLang="zh-CN" sz="1100" dirty="0" smtClean="0">
-                <a:solidFill>
-                  <a:schemeClr val="tx1">
-                    <a:lumMod val="95000"/>
-                    <a:lumOff val="5000"/>
-                  </a:schemeClr>
-                </a:solidFill>
-              </a:rPr>
-              <a:t> = this.level+1=0+1=1</a:t>
-            </a:r>
-            <a:r>
-              <a:rPr lang="en-US" altLang="zh-CN" sz="900" dirty="0" smtClean="0">
-                <a:solidFill>
-                  <a:schemeClr val="tx1">
-                    <a:lumMod val="95000"/>
-                    <a:lumOff val="5000"/>
-                  </a:schemeClr>
-                </a:solidFill>
-              </a:rPr>
-              <a:t>;//this</a:t>
-            </a:r>
-            <a:r>
-              <a:rPr lang="zh-CN" altLang="en-US" sz="900" dirty="0" smtClean="0">
-                <a:solidFill>
-                  <a:schemeClr val="tx1">
-                    <a:lumMod val="95000"/>
-                    <a:lumOff val="5000"/>
-                  </a:schemeClr>
-                </a:solidFill>
-              </a:rPr>
-              <a:t>不是新节点，是当前的节点</a:t>
-            </a:r>
-            <a:endParaRPr lang="en-US" altLang="zh-CN" sz="900" dirty="0" smtClean="0">
               <a:solidFill>
                 <a:schemeClr val="tx1">
                   <a:lumMod val="95000"/>
@@ -6759,8 +6648,8 @@
         </p:nvSpPr>
         <p:spPr>
           <a:xfrm>
-            <a:off x="10801325" y="5977900"/>
-            <a:ext cx="2736304" cy="430887"/>
+            <a:off x="10801325" y="5508674"/>
+            <a:ext cx="2736304" cy="907941"/>
           </a:xfrm>
           <a:prstGeom prst="rect">
             <a:avLst/>
@@ -6783,7 +6672,142 @@
           <a:p>
             <a:r>
               <a:rPr lang="zh-CN" altLang="en-US" sz="1100" dirty="0" smtClean="0"/>
-              <a:t>存放新节点至当前节点的子节点数组中</a:t>
+              <a:t>存放新节点至当前节点的子节点数组</a:t>
+            </a:r>
+            <a:r>
+              <a:rPr lang="zh-CN" altLang="en-US" sz="1100" dirty="0" smtClean="0"/>
+              <a:t>中</a:t>
+            </a:r>
+            <a:endParaRPr lang="en-US" altLang="zh-CN" sz="1100" dirty="0" smtClean="0"/>
+          </a:p>
+          <a:p>
+            <a:r>
+              <a:rPr lang="zh-CN" altLang="en-US" sz="1100" dirty="0" smtClean="0">
+                <a:solidFill>
+                  <a:schemeClr val="tx1">
+                    <a:lumMod val="95000"/>
+                    <a:lumOff val="5000"/>
+                  </a:schemeClr>
+                </a:solidFill>
+              </a:rPr>
+              <a:t>给新节点的</a:t>
+            </a:r>
+            <a:r>
+              <a:rPr lang="en-US" altLang="zh-CN" sz="1100" dirty="0" smtClean="0">
+                <a:solidFill>
+                  <a:schemeClr val="tx1">
+                    <a:lumMod val="95000"/>
+                    <a:lumOff val="5000"/>
+                  </a:schemeClr>
+                </a:solidFill>
+              </a:rPr>
+              <a:t>level</a:t>
+            </a:r>
+            <a:r>
+              <a:rPr lang="zh-CN" altLang="en-US" sz="1100" dirty="0" smtClean="0">
+                <a:solidFill>
+                  <a:schemeClr val="tx1">
+                    <a:lumMod val="95000"/>
+                    <a:lumOff val="5000"/>
+                  </a:schemeClr>
+                </a:solidFill>
+              </a:rPr>
+              <a:t>加</a:t>
+            </a:r>
+            <a:r>
+              <a:rPr lang="en-US" altLang="zh-CN" sz="1100" dirty="0" smtClean="0">
+                <a:solidFill>
+                  <a:schemeClr val="tx1">
+                    <a:lumMod val="95000"/>
+                    <a:lumOff val="5000"/>
+                  </a:schemeClr>
+                </a:solidFill>
+              </a:rPr>
+              <a:t>1</a:t>
+            </a:r>
+            <a:r>
+              <a:rPr lang="zh-CN" altLang="en-US" sz="1100" dirty="0" smtClean="0">
+                <a:solidFill>
+                  <a:schemeClr val="tx1">
+                    <a:lumMod val="95000"/>
+                    <a:lumOff val="5000"/>
+                  </a:schemeClr>
+                </a:solidFill>
+              </a:rPr>
+              <a:t>：</a:t>
+            </a:r>
+            <a:endParaRPr lang="en-US" altLang="zh-CN" sz="1100" dirty="0" smtClean="0">
+              <a:solidFill>
+                <a:schemeClr val="tx1">
+                  <a:lumMod val="95000"/>
+                  <a:lumOff val="5000"/>
+                </a:schemeClr>
+              </a:solidFill>
+            </a:endParaRPr>
+          </a:p>
+          <a:p>
+            <a:r>
+              <a:rPr lang="en-US" altLang="zh-CN" sz="1100" dirty="0" err="1" smtClean="0">
+                <a:solidFill>
+                  <a:srgbClr val="7030A0"/>
+                </a:solidFill>
+              </a:rPr>
+              <a:t>child</a:t>
+            </a:r>
+            <a:r>
+              <a:rPr lang="en-US" altLang="zh-CN" sz="1100" dirty="0" err="1" smtClean="0">
+                <a:solidFill>
+                  <a:schemeClr val="tx1">
+                    <a:lumMod val="95000"/>
+                    <a:lumOff val="5000"/>
+                  </a:schemeClr>
+                </a:solidFill>
+              </a:rPr>
+              <a:t>.level</a:t>
+            </a:r>
+            <a:r>
+              <a:rPr lang="en-US" altLang="zh-CN" sz="1100" dirty="0" smtClean="0">
+                <a:solidFill>
+                  <a:schemeClr val="tx1">
+                    <a:lumMod val="95000"/>
+                    <a:lumOff val="5000"/>
+                  </a:schemeClr>
+                </a:solidFill>
+              </a:rPr>
+              <a:t> = this.level+1=0+1=1</a:t>
+            </a:r>
+            <a:r>
+              <a:rPr lang="en-US" altLang="zh-CN" sz="900" dirty="0" smtClean="0">
+                <a:solidFill>
+                  <a:schemeClr val="tx1">
+                    <a:lumMod val="95000"/>
+                    <a:lumOff val="5000"/>
+                  </a:schemeClr>
+                </a:solidFill>
+              </a:rPr>
+              <a:t>;//this</a:t>
+            </a:r>
+            <a:r>
+              <a:rPr lang="zh-CN" altLang="en-US" sz="900" dirty="0" smtClean="0">
+                <a:solidFill>
+                  <a:schemeClr val="tx1">
+                    <a:lumMod val="95000"/>
+                    <a:lumOff val="5000"/>
+                  </a:schemeClr>
+                </a:solidFill>
+              </a:rPr>
+              <a:t>不是新节点，是当前的</a:t>
+            </a:r>
+            <a:r>
+              <a:rPr lang="zh-CN" altLang="en-US" sz="900" dirty="0" smtClean="0">
+                <a:solidFill>
+                  <a:schemeClr val="tx1">
+                    <a:lumMod val="95000"/>
+                    <a:lumOff val="5000"/>
+                  </a:schemeClr>
+                </a:solidFill>
+              </a:rPr>
+              <a:t>节点</a:t>
             </a:r>
             <a:endParaRPr lang="en-US" altLang="zh-CN" sz="1100" dirty="0" smtClean="0"/>
           </a:p>
@@ -8167,6 +8191,347 @@
               <a:t>个节点数据</a:t>
             </a:r>
             <a:endParaRPr lang="zh-CN" altLang="en-US" sz="1400" dirty="0"/>
+          </a:p>
+        </p:txBody>
+      </p:sp>
+      <p:sp>
+        <p:nvSpPr>
+          <p:cNvPr id="74" name="TextBox 73"/>
+          <p:cNvSpPr txBox="1"/>
+          <p:nvPr/>
+        </p:nvSpPr>
+        <p:spPr>
+          <a:xfrm>
+            <a:off x="2592413" y="4428554"/>
+            <a:ext cx="3384376" cy="600164"/>
+          </a:xfrm>
+          <a:prstGeom prst="rect">
+            <a:avLst/>
+          </a:prstGeom>
+          <a:noFill/>
+          <a:ln>
+            <a:solidFill>
+              <a:schemeClr val="bg1">
+                <a:lumMod val="50000"/>
+              </a:schemeClr>
+            </a:solidFill>
+            <a:prstDash val="sysDash"/>
+          </a:ln>
+        </p:spPr>
+        <p:txBody>
+          <a:bodyPr wrap="square" rtlCol="0">
+            <a:spAutoFit/>
+          </a:bodyPr>
+          <a:lstStyle/>
+          <a:p>
+            <a:r>
+              <a:rPr lang="zh-CN" altLang="en-US" sz="1100" b="1" dirty="0" smtClean="0">
+                <a:solidFill>
+                  <a:srgbClr val="FF0000"/>
+                </a:solidFill>
+                <a:latin typeface="Arial" pitchFamily="34" charset="0"/>
+                <a:cs typeface="Arial" pitchFamily="34" charset="0"/>
+              </a:rPr>
+              <a:t>创建节点开始：</a:t>
+            </a:r>
+            <a:endParaRPr lang="en-US" altLang="zh-CN" sz="1100" b="1" dirty="0" smtClean="0">
+              <a:solidFill>
+                <a:srgbClr val="FF0000"/>
+              </a:solidFill>
+              <a:latin typeface="Arial" pitchFamily="34" charset="0"/>
+              <a:cs typeface="Arial" pitchFamily="34" charset="0"/>
+            </a:endParaRPr>
+          </a:p>
+          <a:p>
+            <a:r>
+              <a:rPr lang="zh-CN" altLang="en-US" sz="1100" dirty="0" smtClean="0">
+                <a:latin typeface="Arial" pitchFamily="34" charset="0"/>
+                <a:cs typeface="Arial" pitchFamily="34" charset="0"/>
+              </a:rPr>
+              <a:t>创建节点时，若有父节点，则当前节点级别</a:t>
+            </a:r>
+            <a:r>
+              <a:rPr lang="en-US" altLang="zh-CN" sz="1100" dirty="0" smtClean="0">
+                <a:latin typeface="Arial" pitchFamily="34" charset="0"/>
+                <a:cs typeface="Arial" pitchFamily="34" charset="0"/>
+              </a:rPr>
+              <a:t>+1</a:t>
+            </a:r>
+            <a:r>
+              <a:rPr lang="zh-CN" altLang="en-US" sz="1100" dirty="0" smtClean="0">
+                <a:latin typeface="Arial" pitchFamily="34" charset="0"/>
+                <a:cs typeface="Arial" pitchFamily="34" charset="0"/>
+              </a:rPr>
+              <a:t>：</a:t>
+            </a:r>
+            <a:endParaRPr lang="en-US" altLang="zh-CN" sz="1100" dirty="0" smtClean="0">
+              <a:latin typeface="Arial" pitchFamily="34" charset="0"/>
+              <a:cs typeface="Arial" pitchFamily="34" charset="0"/>
+            </a:endParaRPr>
+          </a:p>
+          <a:p>
+            <a:r>
+              <a:rPr lang="en-US" altLang="zh-CN" sz="1100" dirty="0" smtClean="0">
+                <a:latin typeface="Arial" pitchFamily="34" charset="0"/>
+                <a:cs typeface="Arial" pitchFamily="34" charset="0"/>
+              </a:rPr>
+              <a:t>i</a:t>
+            </a:r>
+            <a:r>
+              <a:rPr lang="en-US" altLang="zh-CN" sz="1100" dirty="0" smtClean="0">
+                <a:latin typeface="Arial" pitchFamily="34" charset="0"/>
+                <a:cs typeface="Arial" pitchFamily="34" charset="0"/>
+              </a:rPr>
+              <a:t>f( </a:t>
+            </a:r>
+            <a:r>
+              <a:rPr lang="en-US" altLang="zh-CN" sz="1100" dirty="0" err="1" smtClean="0">
+                <a:latin typeface="Arial" pitchFamily="34" charset="0"/>
+                <a:cs typeface="Arial" pitchFamily="34" charset="0"/>
+              </a:rPr>
+              <a:t>this.parent</a:t>
+            </a:r>
+            <a:r>
+              <a:rPr lang="en-US" altLang="zh-CN" sz="1100" dirty="0" smtClean="0">
+                <a:latin typeface="Arial" pitchFamily="34" charset="0"/>
+                <a:cs typeface="Arial" pitchFamily="34" charset="0"/>
+              </a:rPr>
+              <a:t> ){  </a:t>
+            </a:r>
+            <a:r>
+              <a:rPr lang="en-US" altLang="zh-CN" sz="1100" dirty="0" err="1" smtClean="0">
+                <a:latin typeface="Arial" pitchFamily="34" charset="0"/>
+                <a:cs typeface="Arial" pitchFamily="34" charset="0"/>
+              </a:rPr>
+              <a:t>this.level</a:t>
+            </a:r>
+            <a:r>
+              <a:rPr lang="en-US" altLang="zh-CN" sz="1100" dirty="0" smtClean="0">
+                <a:latin typeface="Arial" pitchFamily="34" charset="0"/>
+                <a:cs typeface="Arial" pitchFamily="34" charset="0"/>
+              </a:rPr>
+              <a:t> = parent.level+1;  }</a:t>
+            </a:r>
+            <a:endParaRPr lang="en-US" altLang="zh-CN" sz="1100" dirty="0" smtClean="0">
+              <a:latin typeface="Arial" pitchFamily="34" charset="0"/>
+              <a:cs typeface="Arial" pitchFamily="34" charset="0"/>
+            </a:endParaRPr>
+          </a:p>
+        </p:txBody>
+      </p:sp>
+      <p:cxnSp>
+        <p:nvCxnSpPr>
+          <p:cNvPr id="79" name="直接箭头连接符 78"/>
+          <p:cNvCxnSpPr/>
+          <p:nvPr/>
+        </p:nvCxnSpPr>
+        <p:spPr>
+          <a:xfrm>
+            <a:off x="2952453" y="3564458"/>
+            <a:ext cx="0" cy="864096"/>
+          </a:xfrm>
+          <a:prstGeom prst="straightConnector1">
+            <a:avLst/>
+          </a:prstGeom>
+          <a:ln>
+            <a:solidFill>
+              <a:schemeClr val="bg1">
+                <a:lumMod val="50000"/>
+              </a:schemeClr>
+            </a:solidFill>
+            <a:tailEnd type="arrow"/>
+          </a:ln>
+        </p:spPr>
+        <p:style>
+          <a:lnRef idx="1">
+            <a:schemeClr val="accent1"/>
+          </a:lnRef>
+          <a:fillRef idx="0">
+            <a:schemeClr val="accent1"/>
+          </a:fillRef>
+          <a:effectRef idx="0">
+            <a:schemeClr val="accent1"/>
+          </a:effectRef>
+          <a:fontRef idx="minor">
+            <a:schemeClr val="tx1"/>
+          </a:fontRef>
+        </p:style>
+      </p:cxnSp>
+      <p:cxnSp>
+        <p:nvCxnSpPr>
+          <p:cNvPr id="86" name="直接连接符 85"/>
+          <p:cNvCxnSpPr>
+            <a:stCxn id="74" idx="3"/>
+          </p:cNvCxnSpPr>
+          <p:nvPr/>
+        </p:nvCxnSpPr>
+        <p:spPr>
+          <a:xfrm flipV="1">
+            <a:off x="5976789" y="4644578"/>
+            <a:ext cx="360040" cy="84058"/>
+          </a:xfrm>
+          <a:prstGeom prst="line">
+            <a:avLst/>
+          </a:prstGeom>
+        </p:spPr>
+        <p:style>
+          <a:lnRef idx="1">
+            <a:schemeClr val="accent1"/>
+          </a:lnRef>
+          <a:fillRef idx="0">
+            <a:schemeClr val="accent1"/>
+          </a:fillRef>
+          <a:effectRef idx="0">
+            <a:schemeClr val="accent1"/>
+          </a:effectRef>
+          <a:fontRef idx="minor">
+            <a:schemeClr val="tx1"/>
+          </a:fontRef>
+        </p:style>
+      </p:cxnSp>
+      <p:cxnSp>
+        <p:nvCxnSpPr>
+          <p:cNvPr id="88" name="直接箭头连接符 87"/>
+          <p:cNvCxnSpPr/>
+          <p:nvPr/>
+        </p:nvCxnSpPr>
+        <p:spPr>
+          <a:xfrm>
+            <a:off x="6336829" y="3348434"/>
+            <a:ext cx="504056" cy="0"/>
+          </a:xfrm>
+          <a:prstGeom prst="straightConnector1">
+            <a:avLst/>
+          </a:prstGeom>
+          <a:ln>
+            <a:tailEnd type="arrow"/>
+          </a:ln>
+        </p:spPr>
+        <p:style>
+          <a:lnRef idx="1">
+            <a:schemeClr val="accent1"/>
+          </a:lnRef>
+          <a:fillRef idx="0">
+            <a:schemeClr val="accent1"/>
+          </a:fillRef>
+          <a:effectRef idx="0">
+            <a:schemeClr val="accent1"/>
+          </a:effectRef>
+          <a:fontRef idx="minor">
+            <a:schemeClr val="tx1"/>
+          </a:fontRef>
+        </p:style>
+      </p:cxnSp>
+      <p:cxnSp>
+        <p:nvCxnSpPr>
+          <p:cNvPr id="90" name="直接连接符 89"/>
+          <p:cNvCxnSpPr/>
+          <p:nvPr/>
+        </p:nvCxnSpPr>
+        <p:spPr>
+          <a:xfrm>
+            <a:off x="6336829" y="3348434"/>
+            <a:ext cx="0" cy="1296144"/>
+          </a:xfrm>
+          <a:prstGeom prst="line">
+            <a:avLst/>
+          </a:prstGeom>
+        </p:spPr>
+        <p:style>
+          <a:lnRef idx="1">
+            <a:schemeClr val="accent1"/>
+          </a:lnRef>
+          <a:fillRef idx="0">
+            <a:schemeClr val="accent1"/>
+          </a:fillRef>
+          <a:effectRef idx="0">
+            <a:schemeClr val="accent1"/>
+          </a:effectRef>
+          <a:fontRef idx="minor">
+            <a:schemeClr val="tx1"/>
+          </a:fontRef>
+        </p:style>
+      </p:cxnSp>
+      <p:cxnSp>
+        <p:nvCxnSpPr>
+          <p:cNvPr id="95" name="肘形连接符 94"/>
+          <p:cNvCxnSpPr/>
+          <p:nvPr/>
+        </p:nvCxnSpPr>
+        <p:spPr>
+          <a:xfrm rot="10800000">
+            <a:off x="5976789" y="4932610"/>
+            <a:ext cx="4896544" cy="216024"/>
+          </a:xfrm>
+          <a:prstGeom prst="bentConnector3">
+            <a:avLst>
+              <a:gd name="adj1" fmla="val 50000"/>
+            </a:avLst>
+          </a:prstGeom>
+          <a:ln w="6350">
+            <a:solidFill>
+              <a:schemeClr val="bg1">
+                <a:lumMod val="50000"/>
+              </a:schemeClr>
+            </a:solidFill>
+            <a:prstDash val="sysDash"/>
+            <a:tailEnd type="arrow"/>
+          </a:ln>
+        </p:spPr>
+        <p:style>
+          <a:lnRef idx="1">
+            <a:schemeClr val="accent1"/>
+          </a:lnRef>
+          <a:fillRef idx="0">
+            <a:schemeClr val="accent1"/>
+          </a:fillRef>
+          <a:effectRef idx="0">
+            <a:schemeClr val="accent1"/>
+          </a:effectRef>
+          <a:fontRef idx="minor">
+            <a:schemeClr val="tx1"/>
+          </a:fontRef>
+        </p:style>
+      </p:cxnSp>
+      <p:sp>
+        <p:nvSpPr>
+          <p:cNvPr id="98" name="TextBox 97"/>
+          <p:cNvSpPr txBox="1"/>
+          <p:nvPr/>
+        </p:nvSpPr>
+        <p:spPr>
+          <a:xfrm>
+            <a:off x="8569077" y="4932610"/>
+            <a:ext cx="825867" cy="246221"/>
+          </a:xfrm>
+          <a:prstGeom prst="rect">
+            <a:avLst/>
+          </a:prstGeom>
+          <a:noFill/>
+        </p:spPr>
+        <p:txBody>
+          <a:bodyPr wrap="none" rtlCol="0">
+            <a:spAutoFit/>
+          </a:bodyPr>
+          <a:lstStyle/>
+          <a:p>
+            <a:r>
+              <a:rPr lang="zh-CN" altLang="en-US" sz="1000" b="1" dirty="0" smtClean="0">
+                <a:solidFill>
+                  <a:schemeClr val="bg1">
+                    <a:lumMod val="50000"/>
+                  </a:schemeClr>
+                </a:solidFill>
+              </a:rPr>
+              <a:t>创建新节点</a:t>
+            </a:r>
+            <a:endParaRPr lang="zh-CN" altLang="en-US" sz="1000" b="1" dirty="0">
+              <a:solidFill>
+                <a:schemeClr val="bg1">
+                  <a:lumMod val="50000"/>
+                </a:schemeClr>
+              </a:solidFill>
+            </a:endParaRPr>
           </a:p>
         </p:txBody>
       </p:sp>

--- a/packages/tree/树形控件笔记.pptx
+++ b/packages/tree/树形控件笔记.pptx
@@ -5,10 +5,11 @@
     <p:sldMasterId id="2147483648" r:id="rId1"/>
   </p:sldMasterIdLst>
   <p:handoutMasterIdLst>
-    <p:handoutMasterId r:id="rId3"/>
+    <p:handoutMasterId r:id="rId4"/>
   </p:handoutMasterIdLst>
   <p:sldIdLst>
     <p:sldId id="256" r:id="rId2"/>
+    <p:sldId id="257" r:id="rId3"/>
   </p:sldIdLst>
   <p:sldSz cx="18002250" cy="9001125"/>
   <p:notesSz cx="6858000" cy="9144000"/>
@@ -193,7 +194,7 @@
             <a:fld id="{A763431F-90BC-4CA3-95E3-051B1413E9A2}" type="datetimeFigureOut">
               <a:rPr lang="zh-CN" altLang="en-US" smtClean="0"/>
               <a:pPr/>
-              <a:t>2020/5/16</a:t>
+              <a:t>2020/5/18</a:t>
             </a:fld>
             <a:endParaRPr lang="zh-CN" altLang="en-US"/>
           </a:p>
@@ -407,7 +408,7 @@
             <a:fld id="{E7999FA0-13AB-4901-B04B-75477CCE6337}" type="datetimeFigureOut">
               <a:rPr lang="zh-CN" altLang="en-US" smtClean="0"/>
               <a:pPr/>
-              <a:t>2020/5/16</a:t>
+              <a:t>2020/5/18</a:t>
             </a:fld>
             <a:endParaRPr lang="zh-CN" altLang="en-US"/>
           </a:p>
@@ -584,7 +585,7 @@
             <a:fld id="{E7999FA0-13AB-4901-B04B-75477CCE6337}" type="datetimeFigureOut">
               <a:rPr lang="zh-CN" altLang="en-US" smtClean="0"/>
               <a:pPr/>
-              <a:t>2020/5/16</a:t>
+              <a:t>2020/5/18</a:t>
             </a:fld>
             <a:endParaRPr lang="zh-CN" altLang="en-US"/>
           </a:p>
@@ -751,7 +752,7 @@
             <a:fld id="{E7999FA0-13AB-4901-B04B-75477CCE6337}" type="datetimeFigureOut">
               <a:rPr lang="zh-CN" altLang="en-US" smtClean="0"/>
               <a:pPr/>
-              <a:t>2020/5/16</a:t>
+              <a:t>2020/5/18</a:t>
             </a:fld>
             <a:endParaRPr lang="zh-CN" altLang="en-US"/>
           </a:p>
@@ -994,7 +995,7 @@
             <a:fld id="{E7999FA0-13AB-4901-B04B-75477CCE6337}" type="datetimeFigureOut">
               <a:rPr lang="zh-CN" altLang="en-US" smtClean="0"/>
               <a:pPr/>
-              <a:t>2020/5/16</a:t>
+              <a:t>2020/5/18</a:t>
             </a:fld>
             <a:endParaRPr lang="zh-CN" altLang="en-US"/>
           </a:p>
@@ -1279,7 +1280,7 @@
             <a:fld id="{E7999FA0-13AB-4901-B04B-75477CCE6337}" type="datetimeFigureOut">
               <a:rPr lang="zh-CN" altLang="en-US" smtClean="0"/>
               <a:pPr/>
-              <a:t>2020/5/16</a:t>
+              <a:t>2020/5/18</a:t>
             </a:fld>
             <a:endParaRPr lang="zh-CN" altLang="en-US"/>
           </a:p>
@@ -1698,7 +1699,7 @@
             <a:fld id="{E7999FA0-13AB-4901-B04B-75477CCE6337}" type="datetimeFigureOut">
               <a:rPr lang="zh-CN" altLang="en-US" smtClean="0"/>
               <a:pPr/>
-              <a:t>2020/5/16</a:t>
+              <a:t>2020/5/18</a:t>
             </a:fld>
             <a:endParaRPr lang="zh-CN" altLang="en-US"/>
           </a:p>
@@ -1813,7 +1814,7 @@
             <a:fld id="{E7999FA0-13AB-4901-B04B-75477CCE6337}" type="datetimeFigureOut">
               <a:rPr lang="zh-CN" altLang="en-US" smtClean="0"/>
               <a:pPr/>
-              <a:t>2020/5/16</a:t>
+              <a:t>2020/5/18</a:t>
             </a:fld>
             <a:endParaRPr lang="zh-CN" altLang="en-US"/>
           </a:p>
@@ -1905,7 +1906,7 @@
             <a:fld id="{E7999FA0-13AB-4901-B04B-75477CCE6337}" type="datetimeFigureOut">
               <a:rPr lang="zh-CN" altLang="en-US" smtClean="0"/>
               <a:pPr/>
-              <a:t>2020/5/16</a:t>
+              <a:t>2020/5/18</a:t>
             </a:fld>
             <a:endParaRPr lang="zh-CN" altLang="en-US"/>
           </a:p>
@@ -2179,7 +2180,7 @@
             <a:fld id="{E7999FA0-13AB-4901-B04B-75477CCE6337}" type="datetimeFigureOut">
               <a:rPr lang="zh-CN" altLang="en-US" smtClean="0"/>
               <a:pPr/>
-              <a:t>2020/5/16</a:t>
+              <a:t>2020/5/18</a:t>
             </a:fld>
             <a:endParaRPr lang="zh-CN" altLang="en-US"/>
           </a:p>
@@ -2429,7 +2430,7 @@
             <a:fld id="{E7999FA0-13AB-4901-B04B-75477CCE6337}" type="datetimeFigureOut">
               <a:rPr lang="zh-CN" altLang="en-US" smtClean="0"/>
               <a:pPr/>
-              <a:t>2020/5/16</a:t>
+              <a:t>2020/5/18</a:t>
             </a:fld>
             <a:endParaRPr lang="zh-CN" altLang="en-US"/>
           </a:p>
@@ -2639,7 +2640,7 @@
             <a:fld id="{E7999FA0-13AB-4901-B04B-75477CCE6337}" type="datetimeFigureOut">
               <a:rPr lang="zh-CN" altLang="en-US" smtClean="0"/>
               <a:pPr/>
-              <a:t>2020/5/16</a:t>
+              <a:t>2020/5/18</a:t>
             </a:fld>
             <a:endParaRPr lang="zh-CN" altLang="en-US"/>
           </a:p>
@@ -4434,7 +4435,7 @@
         <p:spPr>
           <a:xfrm>
             <a:off x="6540852" y="75"/>
-            <a:ext cx="0" cy="9001050"/>
+            <a:ext cx="11885" cy="7380807"/>
           </a:xfrm>
           <a:prstGeom prst="line">
             <a:avLst/>
@@ -4561,7 +4562,7 @@
         </p:nvSpPr>
         <p:spPr>
           <a:xfrm>
-            <a:off x="7032906" y="2087146"/>
+            <a:off x="6960898" y="2988394"/>
             <a:ext cx="1446365" cy="276999"/>
           </a:xfrm>
           <a:prstGeom prst="rect">
@@ -4623,7 +4624,7 @@
         </p:nvSpPr>
         <p:spPr>
           <a:xfrm>
-            <a:off x="6912892" y="5112630"/>
+            <a:off x="6840885" y="5868714"/>
             <a:ext cx="540060" cy="276999"/>
           </a:xfrm>
           <a:prstGeom prst="rect">
@@ -4662,7 +4663,7 @@
         </p:nvSpPr>
         <p:spPr>
           <a:xfrm>
-            <a:off x="7079862" y="2591202"/>
+            <a:off x="7007854" y="3492450"/>
             <a:ext cx="1321196" cy="600164"/>
           </a:xfrm>
           <a:prstGeom prst="rect">
@@ -4770,7 +4771,7 @@
         </p:nvSpPr>
         <p:spPr>
           <a:xfrm>
-            <a:off x="6912893" y="5508674"/>
+            <a:off x="6840886" y="6264758"/>
             <a:ext cx="748923" cy="261610"/>
           </a:xfrm>
           <a:prstGeom prst="rect">
@@ -4870,7 +4871,7 @@
         </p:nvSpPr>
         <p:spPr>
           <a:xfrm>
-            <a:off x="7056909" y="3456459"/>
+            <a:off x="6984901" y="4357707"/>
             <a:ext cx="1635384" cy="430887"/>
           </a:xfrm>
           <a:prstGeom prst="rect">
@@ -4968,7 +4969,7 @@
         </p:nvSpPr>
         <p:spPr>
           <a:xfrm>
-            <a:off x="7056909" y="4176539"/>
+            <a:off x="6984901" y="5077787"/>
             <a:ext cx="2430474" cy="430887"/>
           </a:xfrm>
           <a:prstGeom prst="rect">
@@ -5194,7 +5195,7 @@
         </p:nvCxnSpPr>
         <p:spPr>
           <a:xfrm>
-            <a:off x="7272933" y="2375178"/>
+            <a:off x="7200925" y="3276426"/>
             <a:ext cx="0" cy="216024"/>
           </a:xfrm>
           <a:prstGeom prst="straightConnector1">
@@ -5232,7 +5233,7 @@
         </p:nvCxnSpPr>
         <p:spPr>
           <a:xfrm>
-            <a:off x="7272933" y="3167266"/>
+            <a:off x="7200925" y="4068514"/>
             <a:ext cx="0" cy="288032"/>
           </a:xfrm>
           <a:prstGeom prst="straightConnector1">
@@ -5270,7 +5271,7 @@
         </p:nvCxnSpPr>
         <p:spPr>
           <a:xfrm>
-            <a:off x="7272933" y="3887346"/>
+            <a:off x="7200925" y="4788594"/>
             <a:ext cx="0" cy="252033"/>
           </a:xfrm>
           <a:prstGeom prst="straightConnector1">
@@ -5308,7 +5309,7 @@
         </p:nvSpPr>
         <p:spPr>
           <a:xfrm>
-            <a:off x="10729317" y="1584251"/>
+            <a:off x="10657309" y="1584251"/>
             <a:ext cx="2650084" cy="430887"/>
           </a:xfrm>
           <a:prstGeom prst="rect">
@@ -5485,8 +5486,8 @@
         </p:nvSpPr>
         <p:spPr>
           <a:xfrm>
-            <a:off x="14113693" y="1728267"/>
-            <a:ext cx="2160240" cy="461665"/>
+            <a:off x="14041685" y="1847299"/>
+            <a:ext cx="2160240" cy="276999"/>
           </a:xfrm>
           <a:prstGeom prst="rect">
             <a:avLst/>
@@ -5510,11 +5511,16 @@
           <a:p>
             <a:r>
               <a:rPr lang="zh-CN" altLang="en-US" sz="1200" dirty="0" smtClean="0"/>
-              <a:t>获取当前节点的子节点数据</a:t>
-            </a:r>
-            <a:endParaRPr lang="en-US" altLang="zh-CN" sz="1200" dirty="0" smtClean="0"/>
-          </a:p>
-          <a:p>
+              <a:t>获取子</a:t>
+            </a:r>
+            <a:r>
+              <a:rPr lang="zh-CN" altLang="en-US" sz="1200" dirty="0" smtClean="0"/>
+              <a:t>节点</a:t>
+            </a:r>
+            <a:r>
+              <a:rPr lang="zh-CN" altLang="en-US" sz="1200" dirty="0" smtClean="0"/>
+              <a:t>数据</a:t>
+            </a:r>
             <a:r>
               <a:rPr lang="en-US" altLang="zh-CN" sz="1200" dirty="0" err="1" smtClean="0"/>
               <a:t>getChildren</a:t>
@@ -5534,7 +5540,7 @@
         </p:nvSpPr>
         <p:spPr>
           <a:xfrm>
-            <a:off x="14104215" y="2304331"/>
+            <a:off x="14032207" y="2304331"/>
             <a:ext cx="1912383" cy="276999"/>
           </a:xfrm>
           <a:prstGeom prst="rect">
@@ -5598,7 +5604,7 @@
         </p:nvSpPr>
         <p:spPr>
           <a:xfrm>
-            <a:off x="6780879" y="2195153"/>
+            <a:off x="6768877" y="3132410"/>
             <a:ext cx="180019" cy="2268257"/>
           </a:xfrm>
           <a:prstGeom prst="leftBrace">
@@ -5644,7 +5650,7 @@
         <p:spPr>
           <a:xfrm>
             <a:off x="10369277" y="1224211"/>
-            <a:ext cx="180019" cy="5616624"/>
+            <a:ext cx="180019" cy="4860527"/>
           </a:xfrm>
           <a:prstGeom prst="leftBrace">
             <a:avLst/>
@@ -5688,7 +5694,7 @@
         </p:nvSpPr>
         <p:spPr>
           <a:xfrm>
-            <a:off x="13897668" y="1944291"/>
+            <a:off x="13825660" y="1944291"/>
             <a:ext cx="180020" cy="559514"/>
           </a:xfrm>
           <a:prstGeom prst="leftBrace">
@@ -5733,7 +5739,7 @@
         </p:nvCxnSpPr>
         <p:spPr>
           <a:xfrm>
-            <a:off x="11449397" y="2016299"/>
+            <a:off x="11377389" y="2016299"/>
             <a:ext cx="0" cy="216024"/>
           </a:xfrm>
           <a:prstGeom prst="straightConnector1">
@@ -5772,7 +5778,7 @@
         </p:nvSpPr>
         <p:spPr>
           <a:xfrm>
-            <a:off x="10801325" y="2589748"/>
+            <a:off x="10657309" y="2589748"/>
             <a:ext cx="2160240" cy="261610"/>
           </a:xfrm>
           <a:prstGeom prst="rect">
@@ -5862,7 +5868,7 @@
         </p:nvCxnSpPr>
         <p:spPr>
           <a:xfrm>
-            <a:off x="10873333" y="2376339"/>
+            <a:off x="10945341" y="2376339"/>
             <a:ext cx="0" cy="216024"/>
           </a:xfrm>
           <a:prstGeom prst="straightConnector1">
@@ -5901,7 +5907,7 @@
         </p:nvSpPr>
         <p:spPr>
           <a:xfrm>
-            <a:off x="10873333" y="3309828"/>
+            <a:off x="10729317" y="3309828"/>
             <a:ext cx="1930004" cy="1292662"/>
           </a:xfrm>
           <a:prstGeom prst="rect">
@@ -6018,7 +6024,7 @@
         </p:nvCxnSpPr>
         <p:spPr>
           <a:xfrm>
-            <a:off x="10873333" y="2877780"/>
+            <a:off x="10729317" y="2877780"/>
             <a:ext cx="0" cy="288032"/>
           </a:xfrm>
           <a:prstGeom prst="straightConnector1">
@@ -6131,7 +6137,7 @@
         </p:nvSpPr>
         <p:spPr>
           <a:xfrm>
-            <a:off x="10801325" y="4824611"/>
+            <a:off x="10657309" y="4824611"/>
             <a:ext cx="3312368" cy="430887"/>
           </a:xfrm>
           <a:prstGeom prst="rect">
@@ -6213,27 +6219,8 @@
                   </a:schemeClr>
                 </a:solidFill>
               </a:rPr>
-              <a:t> </a:t>
-            </a:r>
-            <a:r>
-              <a:rPr lang="en-US" altLang="zh-CN" sz="1100" dirty="0" smtClean="0">
-                <a:solidFill>
-                  <a:schemeClr val="tx1">
-                    <a:lumMod val="95000"/>
-                    <a:lumOff val="5000"/>
-                  </a:schemeClr>
-                </a:solidFill>
-              </a:rPr>
-              <a:t>);</a:t>
-            </a:r>
-            <a:endParaRPr lang="en-US" altLang="zh-CN" sz="1100" dirty="0" smtClean="0">
-              <a:solidFill>
-                <a:schemeClr val="tx1">
-                  <a:lumMod val="95000"/>
-                  <a:lumOff val="5000"/>
-                </a:schemeClr>
-              </a:solidFill>
-            </a:endParaRPr>
+              <a:t> );</a:t>
+            </a:r>
           </a:p>
         </p:txBody>
       </p:sp>
@@ -6414,7 +6401,7 @@
         </p:nvCxnSpPr>
         <p:spPr>
           <a:xfrm>
-            <a:off x="10945341" y="4536579"/>
+            <a:off x="10801325" y="4536579"/>
             <a:ext cx="0" cy="288032"/>
           </a:xfrm>
           <a:prstGeom prst="straightConnector1">
@@ -6452,7 +6439,7 @@
         </p:nvSpPr>
         <p:spPr>
           <a:xfrm>
-            <a:off x="12745541" y="3168427"/>
+            <a:off x="12601525" y="3168427"/>
             <a:ext cx="1368152" cy="1323439"/>
           </a:xfrm>
           <a:prstGeom prst="rect">
@@ -6566,7 +6553,7 @@
         </p:nvSpPr>
         <p:spPr>
           <a:xfrm>
-            <a:off x="10801325" y="3168427"/>
+            <a:off x="10657309" y="3168427"/>
             <a:ext cx="3456384" cy="1368152"/>
           </a:xfrm>
           <a:prstGeom prst="rect">
@@ -6615,7 +6602,7 @@
         </p:nvCxnSpPr>
         <p:spPr>
           <a:xfrm flipV="1">
-            <a:off x="11953453" y="3600475"/>
+            <a:off x="11809437" y="3600475"/>
             <a:ext cx="936104" cy="720080"/>
           </a:xfrm>
           <a:prstGeom prst="straightConnector1">
@@ -6648,7 +6635,7 @@
         </p:nvSpPr>
         <p:spPr>
           <a:xfrm>
-            <a:off x="10801325" y="5508674"/>
+            <a:off x="10657309" y="5508674"/>
             <a:ext cx="2736304" cy="907941"/>
           </a:xfrm>
           <a:prstGeom prst="rect">
@@ -6672,11 +6659,7 @@
           <a:p>
             <a:r>
               <a:rPr lang="zh-CN" altLang="en-US" sz="1100" dirty="0" smtClean="0"/>
-              <a:t>存放新节点至当前节点的子节点数组</a:t>
-            </a:r>
-            <a:r>
-              <a:rPr lang="zh-CN" altLang="en-US" sz="1100" dirty="0" smtClean="0"/>
-              <a:t>中</a:t>
+              <a:t>存放新节点至当前节点的子节点数组中</a:t>
             </a:r>
             <a:endParaRPr lang="en-US" altLang="zh-CN" sz="1100" dirty="0" smtClean="0"/>
           </a:p>
@@ -6796,18 +6779,7 @@
                   </a:schemeClr>
                 </a:solidFill>
               </a:rPr>
-              <a:t>不是新节点，是当前的</a:t>
-            </a:r>
-            <a:r>
-              <a:rPr lang="zh-CN" altLang="en-US" sz="900" dirty="0" smtClean="0">
-                <a:solidFill>
-                  <a:schemeClr val="tx1">
-                    <a:lumMod val="95000"/>
-                    <a:lumOff val="5000"/>
-                  </a:schemeClr>
-                </a:solidFill>
-              </a:rPr>
-              <a:t>节点</a:t>
+              <a:t>不是新节点，是当前的节点</a:t>
             </a:r>
             <a:endParaRPr lang="en-US" altLang="zh-CN" sz="1100" dirty="0" smtClean="0"/>
           </a:p>
@@ -6841,13 +6813,14 @@
           <p:cNvPr id="55" name="肘形连接符 54"/>
           <p:cNvCxnSpPr>
             <a:stCxn id="27" idx="3"/>
+            <a:endCxn id="37" idx="1"/>
           </p:cNvCxnSpPr>
           <p:nvPr/>
         </p:nvCxnSpPr>
         <p:spPr>
           <a:xfrm flipV="1">
-            <a:off x="9487383" y="4032523"/>
-            <a:ext cx="881894" cy="359460"/>
+            <a:off x="9415375" y="3654475"/>
+            <a:ext cx="953902" cy="1638756"/>
           </a:xfrm>
           <a:prstGeom prst="bentConnector3">
             <a:avLst>
@@ -6881,8 +6854,8 @@
         </p:nvCxnSpPr>
         <p:spPr>
           <a:xfrm flipH="1">
-            <a:off x="10873333" y="2376339"/>
-            <a:ext cx="3105822" cy="0"/>
+            <a:off x="10945341" y="2376339"/>
+            <a:ext cx="2961806" cy="0"/>
           </a:xfrm>
           <a:prstGeom prst="straightConnector1">
             <a:avLst/>
@@ -6914,7 +6887,7 @@
         </p:nvCxnSpPr>
         <p:spPr>
           <a:xfrm>
-            <a:off x="11449397" y="2232323"/>
+            <a:off x="11377389" y="2232323"/>
             <a:ext cx="2520280" cy="0"/>
           </a:xfrm>
           <a:prstGeom prst="straightConnector1">
@@ -6947,7 +6920,7 @@
         </p:nvSpPr>
         <p:spPr>
           <a:xfrm>
-            <a:off x="14257709" y="6192763"/>
+            <a:off x="14113693" y="6084738"/>
             <a:ext cx="1728192" cy="461665"/>
           </a:xfrm>
           <a:prstGeom prst="rect">
@@ -6997,7 +6970,7 @@
         </p:nvSpPr>
         <p:spPr>
           <a:xfrm>
-            <a:off x="14257709" y="6768827"/>
+            <a:off x="14113693" y="6636702"/>
             <a:ext cx="2736304" cy="600164"/>
           </a:xfrm>
           <a:prstGeom prst="rect">
@@ -7080,7 +7053,7 @@
         </p:nvSpPr>
         <p:spPr>
           <a:xfrm>
-            <a:off x="14041685" y="6480795"/>
+            <a:off x="13897669" y="6348670"/>
             <a:ext cx="180020" cy="559514"/>
           </a:xfrm>
           <a:prstGeom prst="leftBrace">
@@ -7125,8 +7098,8 @@
         </p:nvCxnSpPr>
         <p:spPr>
           <a:xfrm>
-            <a:off x="11521405" y="6408787"/>
-            <a:ext cx="0" cy="360040"/>
+            <a:off x="11377389" y="6408787"/>
+            <a:ext cx="0" cy="252015"/>
           </a:xfrm>
           <a:prstGeom prst="straightConnector1">
             <a:avLst/>
@@ -7164,7 +7137,7 @@
         </p:nvCxnSpPr>
         <p:spPr>
           <a:xfrm>
-            <a:off x="11521405" y="6768827"/>
+            <a:off x="11377389" y="6636702"/>
             <a:ext cx="2520280" cy="0"/>
           </a:xfrm>
           <a:prstGeom prst="straightConnector1">
@@ -7197,7 +7170,7 @@
         </p:nvSpPr>
         <p:spPr>
           <a:xfrm>
-            <a:off x="14185701" y="2664371"/>
+            <a:off x="14041685" y="2664371"/>
             <a:ext cx="1765548" cy="276999"/>
           </a:xfrm>
           <a:prstGeom prst="rect">
@@ -7321,8 +7294,8 @@
         </p:nvSpPr>
         <p:spPr>
           <a:xfrm>
-            <a:off x="14401725" y="3996506"/>
-            <a:ext cx="2448272" cy="1008112"/>
+            <a:off x="14401725" y="4572570"/>
+            <a:ext cx="1584176" cy="487113"/>
           </a:xfrm>
           <a:prstGeom prst="wedgeRoundRectCallout">
             <a:avLst/>
@@ -7372,10 +7345,10 @@
                   </a:schemeClr>
                 </a:solidFill>
               </a:rPr>
-              <a:t>此处是递归，对当前节点的子节点处理，此处</a:t>
-            </a:r>
-            <a:r>
-              <a:rPr lang="en-US" altLang="zh-CN" sz="900" dirty="0" smtClean="0">
+              <a:t>此处是</a:t>
+            </a:r>
+            <a:r>
+              <a:rPr lang="zh-CN" altLang="en-US" sz="900" dirty="0" smtClean="0">
                 <a:solidFill>
                   <a:schemeClr val="tx1">
                     <a:lumMod val="95000"/>
@@ -7383,10 +7356,10 @@
                   </a:schemeClr>
                 </a:solidFill>
               </a:rPr>
-              <a:t>level=0,</a:t>
-            </a:r>
-            <a:r>
-              <a:rPr lang="zh-CN" altLang="en-US" sz="900" dirty="0" smtClean="0">
+              <a:t>递归（</a:t>
+            </a:r>
+            <a:r>
+              <a:rPr lang="zh-CN" altLang="en-US" sz="900" b="1" dirty="0" smtClean="0">
                 <a:solidFill>
                   <a:schemeClr val="tx1">
                     <a:lumMod val="95000"/>
@@ -7394,73 +7367,7 @@
                   </a:schemeClr>
                 </a:solidFill>
               </a:rPr>
-              <a:t>根据</a:t>
-            </a:r>
-            <a:r>
-              <a:rPr lang="en-US" altLang="zh-CN" sz="900" dirty="0" smtClean="0">
-                <a:solidFill>
-                  <a:schemeClr val="tx1">
-                    <a:lumMod val="95000"/>
-                    <a:lumOff val="5000"/>
-                  </a:schemeClr>
-                </a:solidFill>
-              </a:rPr>
-              <a:t>data</a:t>
-            </a:r>
-            <a:r>
-              <a:rPr lang="zh-CN" altLang="en-US" sz="900" dirty="0" smtClean="0">
-                <a:solidFill>
-                  <a:schemeClr val="tx1">
-                    <a:lumMod val="95000"/>
-                    <a:lumOff val="5000"/>
-                  </a:schemeClr>
-                </a:solidFill>
-              </a:rPr>
-              <a:t>，有</a:t>
-            </a:r>
-            <a:r>
-              <a:rPr lang="en-US" altLang="zh-CN" sz="900" dirty="0" smtClean="0">
-                <a:solidFill>
-                  <a:schemeClr val="tx1">
-                    <a:lumMod val="95000"/>
-                    <a:lumOff val="5000"/>
-                  </a:schemeClr>
-                </a:solidFill>
-              </a:rPr>
-              <a:t>3</a:t>
-            </a:r>
-            <a:r>
-              <a:rPr lang="zh-CN" altLang="en-US" sz="900" dirty="0" smtClean="0">
-                <a:solidFill>
-                  <a:schemeClr val="tx1">
-                    <a:lumMod val="95000"/>
-                    <a:lumOff val="5000"/>
-                  </a:schemeClr>
-                </a:solidFill>
-              </a:rPr>
-              <a:t>个子节点，则进入幻灯片</a:t>
-            </a:r>
-            <a:r>
-              <a:rPr lang="en-US" altLang="zh-CN" sz="900" dirty="0" smtClean="0">
-                <a:solidFill>
-                  <a:schemeClr val="tx1">
-                    <a:lumMod val="95000"/>
-                    <a:lumOff val="5000"/>
-                  </a:schemeClr>
-                </a:solidFill>
-              </a:rPr>
-              <a:t>2</a:t>
-            </a:r>
-            <a:r>
-              <a:rPr lang="zh-CN" altLang="en-US" sz="900" dirty="0" smtClean="0">
-                <a:solidFill>
-                  <a:schemeClr val="tx1">
-                    <a:lumMod val="95000"/>
-                    <a:lumOff val="5000"/>
-                  </a:schemeClr>
-                </a:solidFill>
-              </a:rPr>
-              <a:t>查看一个子节点处理流程。其他的相同逻辑，不单独画图</a:t>
+              <a:t>深度优先）</a:t>
             </a:r>
             <a:endParaRPr lang="zh-CN" altLang="en-US" sz="900" dirty="0">
               <a:solidFill>
@@ -7481,7 +7388,7 @@
         </p:nvCxnSpPr>
         <p:spPr>
           <a:xfrm>
-            <a:off x="12313493" y="5148634"/>
+            <a:off x="12169477" y="5148634"/>
             <a:ext cx="2808312" cy="0"/>
           </a:xfrm>
           <a:prstGeom prst="straightConnector1">
@@ -7514,7 +7421,7 @@
         </p:nvSpPr>
         <p:spPr>
           <a:xfrm>
-            <a:off x="6696869" y="7740922"/>
+            <a:off x="2520405" y="7740922"/>
             <a:ext cx="2376264" cy="1107996"/>
           </a:xfrm>
           <a:prstGeom prst="rect">
@@ -7701,8 +7608,8 @@
         </p:nvSpPr>
         <p:spPr>
           <a:xfrm>
-            <a:off x="9433173" y="7821121"/>
-            <a:ext cx="1728192" cy="1107996"/>
+            <a:off x="5256709" y="7668914"/>
+            <a:ext cx="1728192" cy="1277273"/>
           </a:xfrm>
           <a:prstGeom prst="rect">
             <a:avLst/>
@@ -7801,8 +7708,19 @@
             </a:r>
             <a:r>
               <a:rPr lang="en-US" altLang="zh-CN" sz="1100" dirty="0" smtClean="0"/>
-              <a:t>  level:1 ,</a:t>
-            </a:r>
+              <a:t>  level:1 </a:t>
+            </a:r>
+            <a:r>
+              <a:rPr lang="en-US" altLang="zh-CN" sz="1100" dirty="0" smtClean="0"/>
+              <a:t>,</a:t>
+            </a:r>
+          </a:p>
+          <a:p>
+            <a:r>
+              <a:rPr lang="en-US" altLang="zh-CN" sz="1100" dirty="0" smtClean="0"/>
+              <a:t>   store:store1,</a:t>
+            </a:r>
+            <a:endParaRPr lang="en-US" altLang="zh-CN" sz="1100" dirty="0" smtClean="0"/>
           </a:p>
           <a:p>
             <a:r>
@@ -7840,8 +7758,8 @@
         </p:nvSpPr>
         <p:spPr>
           <a:xfrm>
-            <a:off x="11377389" y="7821121"/>
-            <a:ext cx="1728192" cy="1107996"/>
+            <a:off x="7200925" y="7668914"/>
+            <a:ext cx="1728192" cy="1277273"/>
           </a:xfrm>
           <a:prstGeom prst="rect">
             <a:avLst/>
@@ -7940,8 +7858,23 @@
             </a:r>
             <a:r>
               <a:rPr lang="en-US" altLang="zh-CN" sz="1100" dirty="0" smtClean="0"/>
-              <a:t>  level:1 ,</a:t>
-            </a:r>
+              <a:t>  level:1 </a:t>
+            </a:r>
+            <a:r>
+              <a:rPr lang="en-US" altLang="zh-CN" sz="1100" dirty="0" smtClean="0"/>
+              <a:t>,</a:t>
+            </a:r>
+          </a:p>
+          <a:p>
+            <a:r>
+              <a:rPr lang="en-US" altLang="zh-CN" sz="1100" dirty="0" smtClean="0"/>
+              <a:t>   store:store1</a:t>
+            </a:r>
+            <a:r>
+              <a:rPr lang="en-US" altLang="zh-CN" sz="1100" dirty="0" smtClean="0"/>
+              <a:t>,</a:t>
+            </a:r>
+            <a:endParaRPr lang="en-US" altLang="zh-CN" sz="1100" dirty="0" smtClean="0"/>
           </a:p>
           <a:p>
             <a:r>
@@ -7979,8 +7912,8 @@
         </p:nvSpPr>
         <p:spPr>
           <a:xfrm>
-            <a:off x="13393613" y="7821121"/>
-            <a:ext cx="1728192" cy="1107996"/>
+            <a:off x="9217149" y="7668914"/>
+            <a:ext cx="1728192" cy="1277273"/>
           </a:xfrm>
           <a:prstGeom prst="rect">
             <a:avLst/>
@@ -8079,8 +8012,23 @@
             </a:r>
             <a:r>
               <a:rPr lang="en-US" altLang="zh-CN" sz="1100" dirty="0" smtClean="0"/>
-              <a:t>  level:1 ,</a:t>
-            </a:r>
+              <a:t>  level:1 </a:t>
+            </a:r>
+            <a:r>
+              <a:rPr lang="en-US" altLang="zh-CN" sz="1100" dirty="0" smtClean="0"/>
+              <a:t>,</a:t>
+            </a:r>
+          </a:p>
+          <a:p>
+            <a:r>
+              <a:rPr lang="en-US" altLang="zh-CN" sz="1100" dirty="0" smtClean="0"/>
+              <a:t>   </a:t>
+            </a:r>
+            <a:r>
+              <a:rPr lang="en-US" altLang="zh-CN" sz="1100" dirty="0" smtClean="0"/>
+              <a:t>store:store1,</a:t>
+            </a:r>
+            <a:endParaRPr lang="en-US" altLang="zh-CN" sz="1100" dirty="0" smtClean="0"/>
           </a:p>
           <a:p>
             <a:r>
@@ -8118,7 +8066,7 @@
         </p:nvSpPr>
         <p:spPr>
           <a:xfrm>
-            <a:off x="6624861" y="7596906"/>
+            <a:off x="2448397" y="7596906"/>
             <a:ext cx="8496944" cy="1332211"/>
           </a:xfrm>
           <a:prstGeom prst="rect">
@@ -8166,8 +8114,8 @@
         </p:nvSpPr>
         <p:spPr>
           <a:xfrm>
-            <a:off x="6768877" y="7452890"/>
-            <a:ext cx="1441420" cy="307777"/>
+            <a:off x="2592413" y="7452890"/>
+            <a:ext cx="2110193" cy="307777"/>
           </a:xfrm>
           <a:prstGeom prst="rect">
             <a:avLst/>
@@ -8188,7 +8136,19 @@
             </a:r>
             <a:r>
               <a:rPr lang="zh-CN" altLang="en-US" sz="1400" dirty="0" smtClean="0"/>
-              <a:t>个节点数据</a:t>
+              <a:t>个</a:t>
+            </a:r>
+            <a:r>
+              <a:rPr lang="zh-CN" altLang="en-US" sz="1400" dirty="0" smtClean="0"/>
+              <a:t>节点（</a:t>
+            </a:r>
+            <a:r>
+              <a:rPr lang="en-US" altLang="zh-CN" sz="1400" dirty="0" smtClean="0"/>
+              <a:t>root</a:t>
+            </a:r>
+            <a:r>
+              <a:rPr lang="zh-CN" altLang="en-US" sz="1400" dirty="0" smtClean="0"/>
+              <a:t>）数据</a:t>
             </a:r>
             <a:endParaRPr lang="zh-CN" altLang="en-US" sz="1400" dirty="0"/>
           </a:p>
@@ -8275,47 +8235,36 @@
                 <a:latin typeface="Arial" pitchFamily="34" charset="0"/>
                 <a:cs typeface="Arial" pitchFamily="34" charset="0"/>
               </a:rPr>
-              <a:t>i</a:t>
+              <a:t>if( </a:t>
+            </a:r>
+            <a:r>
+              <a:rPr lang="en-US" altLang="zh-CN" sz="1100" dirty="0" err="1" smtClean="0">
+                <a:latin typeface="Arial" pitchFamily="34" charset="0"/>
+                <a:cs typeface="Arial" pitchFamily="34" charset="0"/>
+              </a:rPr>
+              <a:t>this.parent</a:t>
             </a:r>
             <a:r>
               <a:rPr lang="en-US" altLang="zh-CN" sz="1100" dirty="0" smtClean="0">
                 <a:latin typeface="Arial" pitchFamily="34" charset="0"/>
                 <a:cs typeface="Arial" pitchFamily="34" charset="0"/>
               </a:rPr>
-              <a:t>f( </a:t>
+              <a:t> ){  </a:t>
             </a:r>
             <a:r>
               <a:rPr lang="en-US" altLang="zh-CN" sz="1100" dirty="0" err="1" smtClean="0">
                 <a:latin typeface="Arial" pitchFamily="34" charset="0"/>
                 <a:cs typeface="Arial" pitchFamily="34" charset="0"/>
               </a:rPr>
-              <a:t>this.parent</a:t>
+              <a:t>this.level</a:t>
             </a:r>
             <a:r>
               <a:rPr lang="en-US" altLang="zh-CN" sz="1100" dirty="0" smtClean="0">
                 <a:latin typeface="Arial" pitchFamily="34" charset="0"/>
                 <a:cs typeface="Arial" pitchFamily="34" charset="0"/>
               </a:rPr>
-              <a:t> ){  </a:t>
-            </a:r>
-            <a:r>
-              <a:rPr lang="en-US" altLang="zh-CN" sz="1100" dirty="0" err="1" smtClean="0">
-                <a:latin typeface="Arial" pitchFamily="34" charset="0"/>
-                <a:cs typeface="Arial" pitchFamily="34" charset="0"/>
-              </a:rPr>
-              <a:t>this.level</a:t>
-            </a:r>
-            <a:r>
-              <a:rPr lang="en-US" altLang="zh-CN" sz="1100" dirty="0" smtClean="0">
-                <a:latin typeface="Arial" pitchFamily="34" charset="0"/>
-                <a:cs typeface="Arial" pitchFamily="34" charset="0"/>
-              </a:rPr>
               <a:t> = parent.level+1;  }</a:t>
             </a:r>
-            <a:endParaRPr lang="en-US" altLang="zh-CN" sz="1100" dirty="0" smtClean="0">
-              <a:latin typeface="Arial" pitchFamily="34" charset="0"/>
-              <a:cs typeface="Arial" pitchFamily="34" charset="0"/>
-            </a:endParaRPr>
           </a:p>
         </p:txBody>
       </p:sp>
@@ -8360,15 +8309,13 @@
       <p:cxnSp>
         <p:nvCxnSpPr>
           <p:cNvPr id="86" name="直接连接符 85"/>
-          <p:cNvCxnSpPr>
-            <a:stCxn id="74" idx="3"/>
-          </p:cNvCxnSpPr>
+          <p:cNvCxnSpPr/>
           <p:nvPr/>
         </p:nvCxnSpPr>
         <p:spPr>
-          <a:xfrm flipV="1">
+          <a:xfrm>
             <a:off x="5976789" y="4644578"/>
-            <a:ext cx="360040" cy="84058"/>
+            <a:ext cx="360040" cy="0"/>
           </a:xfrm>
           <a:prstGeom prst="line">
             <a:avLst/>
@@ -8397,7 +8344,7 @@
         </p:nvCxnSpPr>
         <p:spPr>
           <a:xfrm>
-            <a:off x="6336829" y="3348434"/>
+            <a:off x="6336829" y="4284538"/>
             <a:ext cx="504056" cy="0"/>
           </a:xfrm>
           <a:prstGeom prst="straightConnector1">
@@ -8430,8 +8377,8 @@
         </p:nvCxnSpPr>
         <p:spPr>
           <a:xfrm>
-            <a:off x="6336829" y="3348434"/>
-            <a:ext cx="0" cy="1296144"/>
+            <a:off x="6336829" y="4284538"/>
+            <a:ext cx="0" cy="360040"/>
           </a:xfrm>
           <a:prstGeom prst="line">
             <a:avLst/>
@@ -8455,13 +8402,15 @@
       <p:cxnSp>
         <p:nvCxnSpPr>
           <p:cNvPr id="95" name="肘形连接符 94"/>
-          <p:cNvCxnSpPr/>
+          <p:cNvCxnSpPr>
+            <a:stCxn id="46" idx="1"/>
+          </p:cNvCxnSpPr>
           <p:nvPr/>
         </p:nvCxnSpPr>
         <p:spPr>
           <a:xfrm rot="10800000">
-            <a:off x="5976789" y="4932610"/>
-            <a:ext cx="4896544" cy="216024"/>
+            <a:off x="5832773" y="4860605"/>
+            <a:ext cx="4824536" cy="179451"/>
           </a:xfrm>
           <a:prstGeom prst="bentConnector3">
             <a:avLst>
@@ -8501,7 +8450,7 @@
         </p:nvSpPr>
         <p:spPr>
           <a:xfrm>
-            <a:off x="8569077" y="4932610"/>
+            <a:off x="8785101" y="4830405"/>
             <a:ext cx="825867" cy="246221"/>
           </a:xfrm>
           <a:prstGeom prst="rect">
@@ -8531,6 +8480,698 @@
                   <a:lumMod val="50000"/>
                 </a:schemeClr>
               </a:solidFill>
+            </a:endParaRPr>
+          </a:p>
+        </p:txBody>
+      </p:sp>
+      <p:sp>
+        <p:nvSpPr>
+          <p:cNvPr id="94" name="TextBox 93"/>
+          <p:cNvSpPr txBox="1"/>
+          <p:nvPr/>
+        </p:nvSpPr>
+        <p:spPr>
+          <a:xfrm>
+            <a:off x="6912893" y="1997992"/>
+            <a:ext cx="2196435" cy="846386"/>
+          </a:xfrm>
+          <a:prstGeom prst="rect">
+            <a:avLst/>
+          </a:prstGeom>
+          <a:noFill/>
+          <a:ln>
+            <a:solidFill>
+              <a:schemeClr val="bg1">
+                <a:lumMod val="50000"/>
+              </a:schemeClr>
+            </a:solidFill>
+            <a:prstDash val="sysDash"/>
+          </a:ln>
+        </p:spPr>
+        <p:txBody>
+          <a:bodyPr wrap="none" rtlCol="0">
+            <a:spAutoFit/>
+          </a:bodyPr>
+          <a:lstStyle/>
+          <a:p>
+            <a:r>
+              <a:rPr lang="en-US" altLang="zh-CN" sz="1600" dirty="0" smtClean="0"/>
+              <a:t> </a:t>
+            </a:r>
+            <a:r>
+              <a:rPr lang="en-US" altLang="zh-CN" sz="1100" dirty="0" smtClean="0"/>
+              <a:t>//</a:t>
+            </a:r>
+            <a:r>
+              <a:rPr lang="zh-CN" altLang="en-US" sz="1100" dirty="0" smtClean="0"/>
+              <a:t>新节点（当前节点）级别</a:t>
+            </a:r>
+            <a:r>
+              <a:rPr lang="en-US" altLang="zh-CN" sz="1100" dirty="0" smtClean="0"/>
+              <a:t>+1</a:t>
+            </a:r>
+            <a:endParaRPr lang="en-US" altLang="zh-CN" sz="1100" dirty="0" smtClean="0"/>
+          </a:p>
+          <a:p>
+            <a:r>
+              <a:rPr lang="en-US" altLang="zh-CN" sz="1100" dirty="0" smtClean="0"/>
+              <a:t>if</a:t>
+            </a:r>
+            <a:r>
+              <a:rPr lang="en-US" altLang="zh-CN" sz="1100" dirty="0" smtClean="0"/>
+              <a:t> (</a:t>
+            </a:r>
+            <a:r>
+              <a:rPr lang="en-US" altLang="zh-CN" sz="1100" dirty="0" err="1" smtClean="0"/>
+              <a:t>this.parent</a:t>
+            </a:r>
+            <a:r>
+              <a:rPr lang="en-US" altLang="zh-CN" sz="1100" dirty="0" smtClean="0"/>
+              <a:t>) {</a:t>
+            </a:r>
+          </a:p>
+          <a:p>
+            <a:r>
+              <a:rPr lang="en-US" altLang="zh-CN" sz="1100" dirty="0" smtClean="0"/>
+              <a:t>      </a:t>
+            </a:r>
+            <a:r>
+              <a:rPr lang="en-US" altLang="zh-CN" sz="1100" dirty="0" err="1" smtClean="0"/>
+              <a:t>this.level</a:t>
+            </a:r>
+            <a:r>
+              <a:rPr lang="en-US" altLang="zh-CN" sz="1100" dirty="0" smtClean="0"/>
+              <a:t> = </a:t>
+            </a:r>
+            <a:r>
+              <a:rPr lang="en-US" altLang="zh-CN" sz="1100" dirty="0" err="1" smtClean="0"/>
+              <a:t>this.parent.level</a:t>
+            </a:r>
+            <a:r>
+              <a:rPr lang="en-US" altLang="zh-CN" sz="1100" dirty="0" smtClean="0"/>
+              <a:t> + 1</a:t>
+            </a:r>
+            <a:r>
+              <a:rPr lang="en-US" altLang="zh-CN" sz="1100" dirty="0" smtClean="0"/>
+              <a:t>;</a:t>
+            </a:r>
+            <a:endParaRPr lang="zh-CN" altLang="en-US" sz="900" dirty="0" smtClean="0"/>
+          </a:p>
+          <a:p>
+            <a:r>
+              <a:rPr lang="zh-CN" altLang="en-US" sz="1100" dirty="0" smtClean="0"/>
+              <a:t>    </a:t>
+            </a:r>
+            <a:r>
+              <a:rPr lang="en-US" altLang="zh-CN" sz="1100" dirty="0" smtClean="0"/>
+              <a:t>}</a:t>
+            </a:r>
+            <a:endParaRPr lang="en-US" altLang="zh-CN" sz="1100" dirty="0" smtClean="0"/>
+          </a:p>
+        </p:txBody>
+      </p:sp>
+      <p:sp>
+        <p:nvSpPr>
+          <p:cNvPr id="96" name="椭圆形标注 95"/>
+          <p:cNvSpPr/>
+          <p:nvPr/>
+        </p:nvSpPr>
+        <p:spPr>
+          <a:xfrm>
+            <a:off x="8929117" y="2340322"/>
+            <a:ext cx="288032" cy="216024"/>
+          </a:xfrm>
+          <a:prstGeom prst="wedgeEllipseCallout">
+            <a:avLst/>
+          </a:prstGeom>
+          <a:solidFill>
+            <a:srgbClr val="C00000"/>
+          </a:solidFill>
+          <a:ln>
+            <a:noFill/>
+          </a:ln>
+        </p:spPr>
+        <p:style>
+          <a:lnRef idx="2">
+            <a:schemeClr val="accent1">
+              <a:shade val="50000"/>
+            </a:schemeClr>
+          </a:lnRef>
+          <a:fillRef idx="1">
+            <a:schemeClr val="accent1"/>
+          </a:fillRef>
+          <a:effectRef idx="0">
+            <a:schemeClr val="accent1"/>
+          </a:effectRef>
+          <a:fontRef idx="minor">
+            <a:schemeClr val="lt1"/>
+          </a:fontRef>
+        </p:style>
+        <p:txBody>
+          <a:bodyPr rtlCol="0" anchor="ctr"/>
+          <a:lstStyle/>
+          <a:p>
+            <a:pPr algn="ctr"/>
+            <a:r>
+              <a:rPr lang="en-US" altLang="zh-CN" sz="1400" b="1" dirty="0" smtClean="0"/>
+              <a:t>1</a:t>
+            </a:r>
+            <a:endParaRPr lang="zh-CN" altLang="en-US" sz="1400" b="1" dirty="0"/>
+          </a:p>
+        </p:txBody>
+      </p:sp>
+      <p:sp>
+        <p:nvSpPr>
+          <p:cNvPr id="97" name="椭圆形标注 96"/>
+          <p:cNvSpPr/>
+          <p:nvPr/>
+        </p:nvSpPr>
+        <p:spPr>
+          <a:xfrm>
+            <a:off x="13177589" y="5724698"/>
+            <a:ext cx="288032" cy="216024"/>
+          </a:xfrm>
+          <a:prstGeom prst="wedgeEllipseCallout">
+            <a:avLst/>
+          </a:prstGeom>
+          <a:solidFill>
+            <a:srgbClr val="C00000"/>
+          </a:solidFill>
+          <a:ln>
+            <a:noFill/>
+          </a:ln>
+        </p:spPr>
+        <p:style>
+          <a:lnRef idx="2">
+            <a:schemeClr val="accent1">
+              <a:shade val="50000"/>
+            </a:schemeClr>
+          </a:lnRef>
+          <a:fillRef idx="1">
+            <a:schemeClr val="accent1"/>
+          </a:fillRef>
+          <a:effectRef idx="0">
+            <a:schemeClr val="accent1"/>
+          </a:effectRef>
+          <a:fontRef idx="minor">
+            <a:schemeClr val="lt1"/>
+          </a:fontRef>
+        </p:style>
+        <p:txBody>
+          <a:bodyPr rtlCol="0" anchor="ctr"/>
+          <a:lstStyle/>
+          <a:p>
+            <a:pPr algn="ctr"/>
+            <a:r>
+              <a:rPr lang="en-US" altLang="zh-CN" sz="1400" b="1" dirty="0" smtClean="0"/>
+              <a:t>2</a:t>
+            </a:r>
+            <a:endParaRPr lang="zh-CN" altLang="en-US" sz="1400" b="1" dirty="0"/>
+          </a:p>
+        </p:txBody>
+      </p:sp>
+      <p:cxnSp>
+        <p:nvCxnSpPr>
+          <p:cNvPr id="101" name="直接连接符 100"/>
+          <p:cNvCxnSpPr/>
+          <p:nvPr/>
+        </p:nvCxnSpPr>
+        <p:spPr>
+          <a:xfrm flipH="1">
+            <a:off x="2376389" y="7380882"/>
+            <a:ext cx="15625736" cy="0"/>
+          </a:xfrm>
+          <a:prstGeom prst="line">
+            <a:avLst/>
+          </a:prstGeom>
+          <a:ln>
+            <a:solidFill>
+              <a:schemeClr val="bg1">
+                <a:lumMod val="65000"/>
+              </a:schemeClr>
+            </a:solidFill>
+            <a:prstDash val="sysDash"/>
+          </a:ln>
+        </p:spPr>
+        <p:style>
+          <a:lnRef idx="1">
+            <a:schemeClr val="accent1"/>
+          </a:lnRef>
+          <a:fillRef idx="0">
+            <a:schemeClr val="accent1"/>
+          </a:fillRef>
+          <a:effectRef idx="0">
+            <a:schemeClr val="accent1"/>
+          </a:effectRef>
+          <a:fontRef idx="minor">
+            <a:schemeClr val="tx1"/>
+          </a:fontRef>
+        </p:style>
+      </p:cxnSp>
+      <p:sp>
+        <p:nvSpPr>
+          <p:cNvPr id="107" name="椭圆形标注 106"/>
+          <p:cNvSpPr/>
+          <p:nvPr/>
+        </p:nvSpPr>
+        <p:spPr>
+          <a:xfrm>
+            <a:off x="11777111" y="8100962"/>
+            <a:ext cx="216024" cy="162018"/>
+          </a:xfrm>
+          <a:prstGeom prst="wedgeEllipseCallout">
+            <a:avLst/>
+          </a:prstGeom>
+          <a:solidFill>
+            <a:srgbClr val="C00000"/>
+          </a:solidFill>
+          <a:ln>
+            <a:noFill/>
+          </a:ln>
+        </p:spPr>
+        <p:style>
+          <a:lnRef idx="2">
+            <a:schemeClr val="accent1">
+              <a:shade val="50000"/>
+            </a:schemeClr>
+          </a:lnRef>
+          <a:fillRef idx="1">
+            <a:schemeClr val="accent1"/>
+          </a:fillRef>
+          <a:effectRef idx="0">
+            <a:schemeClr val="accent1"/>
+          </a:effectRef>
+          <a:fontRef idx="minor">
+            <a:schemeClr val="lt1"/>
+          </a:fontRef>
+        </p:style>
+        <p:txBody>
+          <a:bodyPr rtlCol="0" anchor="ctr"/>
+          <a:lstStyle/>
+          <a:p>
+            <a:pPr algn="ctr"/>
+            <a:r>
+              <a:rPr lang="en-US" altLang="zh-CN" sz="1400" b="1" dirty="0" smtClean="0"/>
+              <a:t>1</a:t>
+            </a:r>
+            <a:endParaRPr lang="zh-CN" altLang="en-US" sz="1400" b="1" dirty="0"/>
+          </a:p>
+        </p:txBody>
+      </p:sp>
+      <p:sp>
+        <p:nvSpPr>
+          <p:cNvPr id="108" name="椭圆形标注 107"/>
+          <p:cNvSpPr/>
+          <p:nvPr/>
+        </p:nvSpPr>
+        <p:spPr>
+          <a:xfrm>
+            <a:off x="11777111" y="8370992"/>
+            <a:ext cx="216024" cy="162018"/>
+          </a:xfrm>
+          <a:prstGeom prst="wedgeEllipseCallout">
+            <a:avLst/>
+          </a:prstGeom>
+          <a:solidFill>
+            <a:srgbClr val="C00000"/>
+          </a:solidFill>
+          <a:ln>
+            <a:noFill/>
+          </a:ln>
+        </p:spPr>
+        <p:style>
+          <a:lnRef idx="2">
+            <a:schemeClr val="accent1">
+              <a:shade val="50000"/>
+            </a:schemeClr>
+          </a:lnRef>
+          <a:fillRef idx="1">
+            <a:schemeClr val="accent1"/>
+          </a:fillRef>
+          <a:effectRef idx="0">
+            <a:schemeClr val="accent1"/>
+          </a:effectRef>
+          <a:fontRef idx="minor">
+            <a:schemeClr val="lt1"/>
+          </a:fontRef>
+        </p:style>
+        <p:txBody>
+          <a:bodyPr rtlCol="0" anchor="ctr"/>
+          <a:lstStyle/>
+          <a:p>
+            <a:pPr algn="ctr"/>
+            <a:r>
+              <a:rPr lang="en-US" altLang="zh-CN" sz="1400" b="1" dirty="0" smtClean="0"/>
+              <a:t>2</a:t>
+            </a:r>
+            <a:endParaRPr lang="zh-CN" altLang="en-US" sz="1400" b="1" dirty="0"/>
+          </a:p>
+        </p:txBody>
+      </p:sp>
+      <p:sp>
+        <p:nvSpPr>
+          <p:cNvPr id="109" name="TextBox 108"/>
+          <p:cNvSpPr txBox="1"/>
+          <p:nvPr/>
+        </p:nvSpPr>
+        <p:spPr>
+          <a:xfrm>
+            <a:off x="11129039" y="7812930"/>
+            <a:ext cx="1853392" cy="246221"/>
+          </a:xfrm>
+          <a:prstGeom prst="rect">
+            <a:avLst/>
+          </a:prstGeom>
+          <a:noFill/>
+        </p:spPr>
+        <p:txBody>
+          <a:bodyPr wrap="none" rtlCol="0">
+            <a:spAutoFit/>
+          </a:bodyPr>
+          <a:lstStyle/>
+          <a:p>
+            <a:r>
+              <a:rPr lang="zh-CN" altLang="en-US" sz="1000" b="1" dirty="0" smtClean="0"/>
+              <a:t>相同点：</a:t>
+            </a:r>
+            <a:r>
+              <a:rPr lang="zh-CN" altLang="en-US" sz="1000" dirty="0" smtClean="0"/>
+              <a:t>都是给节点的级别</a:t>
+            </a:r>
+            <a:r>
+              <a:rPr lang="en-US" altLang="zh-CN" sz="1000" dirty="0" smtClean="0"/>
+              <a:t>+1</a:t>
+            </a:r>
+            <a:endParaRPr lang="zh-CN" altLang="en-US" sz="1000" dirty="0"/>
+          </a:p>
+        </p:txBody>
+      </p:sp>
+      <p:sp>
+        <p:nvSpPr>
+          <p:cNvPr id="110" name="TextBox 109"/>
+          <p:cNvSpPr txBox="1"/>
+          <p:nvPr/>
+        </p:nvSpPr>
+        <p:spPr>
+          <a:xfrm>
+            <a:off x="11129039" y="8028954"/>
+            <a:ext cx="697627" cy="246221"/>
+          </a:xfrm>
+          <a:prstGeom prst="rect">
+            <a:avLst/>
+          </a:prstGeom>
+          <a:noFill/>
+        </p:spPr>
+        <p:txBody>
+          <a:bodyPr wrap="none" rtlCol="0">
+            <a:spAutoFit/>
+          </a:bodyPr>
+          <a:lstStyle/>
+          <a:p>
+            <a:r>
+              <a:rPr lang="zh-CN" altLang="en-US" sz="1000" b="1" dirty="0" smtClean="0"/>
+              <a:t>不同点：</a:t>
+            </a:r>
+            <a:endParaRPr lang="zh-CN" altLang="en-US" sz="1000" dirty="0"/>
+          </a:p>
+        </p:txBody>
+      </p:sp>
+      <p:sp>
+        <p:nvSpPr>
+          <p:cNvPr id="111" name="TextBox 110"/>
+          <p:cNvSpPr txBox="1"/>
+          <p:nvPr/>
+        </p:nvSpPr>
+        <p:spPr>
+          <a:xfrm>
+            <a:off x="11960655" y="8070765"/>
+            <a:ext cx="1789272" cy="246221"/>
+          </a:xfrm>
+          <a:prstGeom prst="rect">
+            <a:avLst/>
+          </a:prstGeom>
+          <a:noFill/>
+        </p:spPr>
+        <p:txBody>
+          <a:bodyPr wrap="none" rtlCol="0">
+            <a:spAutoFit/>
+          </a:bodyPr>
+          <a:lstStyle/>
+          <a:p>
+            <a:r>
+              <a:rPr lang="zh-CN" altLang="en-US" sz="1000" dirty="0" smtClean="0"/>
+              <a:t>当前节点级别</a:t>
+            </a:r>
+            <a:r>
+              <a:rPr lang="en-US" altLang="zh-CN" sz="1000" dirty="0" smtClean="0"/>
+              <a:t>=</a:t>
+            </a:r>
+            <a:r>
+              <a:rPr lang="zh-CN" altLang="en-US" sz="1000" dirty="0" smtClean="0"/>
+              <a:t>父节点级别</a:t>
+            </a:r>
+            <a:r>
+              <a:rPr lang="en-US" altLang="zh-CN" sz="1000" dirty="0" smtClean="0"/>
+              <a:t>+1</a:t>
+            </a:r>
+            <a:endParaRPr lang="zh-CN" altLang="en-US" sz="1000" dirty="0"/>
+          </a:p>
+        </p:txBody>
+      </p:sp>
+      <p:sp>
+        <p:nvSpPr>
+          <p:cNvPr id="112" name="TextBox 111"/>
+          <p:cNvSpPr txBox="1"/>
+          <p:nvPr/>
+        </p:nvSpPr>
+        <p:spPr>
+          <a:xfrm>
+            <a:off x="11941839" y="8316986"/>
+            <a:ext cx="3684022" cy="246221"/>
+          </a:xfrm>
+          <a:prstGeom prst="rect">
+            <a:avLst/>
+          </a:prstGeom>
+          <a:noFill/>
+        </p:spPr>
+        <p:txBody>
+          <a:bodyPr wrap="none" rtlCol="0">
+            <a:spAutoFit/>
+          </a:bodyPr>
+          <a:lstStyle/>
+          <a:p>
+            <a:r>
+              <a:rPr lang="zh-CN" altLang="en-US" sz="1000" dirty="0" smtClean="0"/>
+              <a:t>当前节点存放子节点进入</a:t>
+            </a:r>
+            <a:r>
+              <a:rPr lang="en-US" altLang="zh-CN" sz="1000" dirty="0" err="1" smtClean="0">
+                <a:solidFill>
+                  <a:srgbClr val="C00000"/>
+                </a:solidFill>
+              </a:rPr>
+              <a:t>childrenNodes</a:t>
+            </a:r>
+            <a:r>
+              <a:rPr lang="zh-CN" altLang="en-US" sz="1000" dirty="0" smtClean="0"/>
+              <a:t>时，标识子节点的级别</a:t>
+            </a:r>
+            <a:endParaRPr lang="zh-CN" altLang="en-US" sz="1000" dirty="0"/>
+          </a:p>
+        </p:txBody>
+      </p:sp>
+      <p:sp>
+        <p:nvSpPr>
+          <p:cNvPr id="113" name="矩形 112"/>
+          <p:cNvSpPr/>
+          <p:nvPr/>
+        </p:nvSpPr>
+        <p:spPr>
+          <a:xfrm>
+            <a:off x="11129039" y="7668914"/>
+            <a:ext cx="4536504" cy="1080120"/>
+          </a:xfrm>
+          <a:prstGeom prst="rect">
+            <a:avLst/>
+          </a:prstGeom>
+          <a:noFill/>
+          <a:ln w="9525">
+            <a:solidFill>
+              <a:schemeClr val="bg1">
+                <a:lumMod val="50000"/>
+              </a:schemeClr>
+            </a:solidFill>
+          </a:ln>
+        </p:spPr>
+        <p:style>
+          <a:lnRef idx="2">
+            <a:schemeClr val="accent1">
+              <a:shade val="50000"/>
+            </a:schemeClr>
+          </a:lnRef>
+          <a:fillRef idx="1">
+            <a:schemeClr val="accent1"/>
+          </a:fillRef>
+          <a:effectRef idx="0">
+            <a:schemeClr val="accent1"/>
+          </a:effectRef>
+          <a:fontRef idx="minor">
+            <a:schemeClr val="lt1"/>
+          </a:fontRef>
+        </p:style>
+        <p:txBody>
+          <a:bodyPr rtlCol="0" anchor="ctr"/>
+          <a:lstStyle/>
+          <a:p>
+            <a:pPr algn="ctr"/>
+            <a:endParaRPr lang="zh-CN" altLang="en-US"/>
+          </a:p>
+        </p:txBody>
+      </p:sp>
+      <p:sp>
+        <p:nvSpPr>
+          <p:cNvPr id="116" name="TextBox 115"/>
+          <p:cNvSpPr txBox="1"/>
+          <p:nvPr/>
+        </p:nvSpPr>
+        <p:spPr>
+          <a:xfrm>
+            <a:off x="5544741" y="1404218"/>
+            <a:ext cx="972108" cy="276999"/>
+          </a:xfrm>
+          <a:prstGeom prst="rect">
+            <a:avLst/>
+          </a:prstGeom>
+          <a:solidFill>
+            <a:schemeClr val="bg1"/>
+          </a:solidFill>
+          <a:ln>
+            <a:solidFill>
+              <a:schemeClr val="bg1">
+                <a:lumMod val="50000"/>
+              </a:schemeClr>
+            </a:solidFill>
+          </a:ln>
+        </p:spPr>
+        <p:txBody>
+          <a:bodyPr wrap="square" rtlCol="0">
+            <a:spAutoFit/>
+          </a:bodyPr>
+          <a:lstStyle/>
+          <a:p>
+            <a:r>
+              <a:rPr lang="en-US" altLang="zh-CN" sz="1200" dirty="0" smtClean="0">
+                <a:latin typeface="Arial" pitchFamily="34" charset="0"/>
+                <a:cs typeface="Arial" pitchFamily="34" charset="0"/>
+              </a:rPr>
+              <a:t>tree-node</a:t>
+            </a:r>
+            <a:endParaRPr lang="en-US" altLang="zh-CN" sz="1200" dirty="0" smtClean="0">
+              <a:latin typeface="Arial" pitchFamily="34" charset="0"/>
+              <a:cs typeface="Arial" pitchFamily="34" charset="0"/>
+            </a:endParaRPr>
+          </a:p>
+        </p:txBody>
+      </p:sp>
+      <p:cxnSp>
+        <p:nvCxnSpPr>
+          <p:cNvPr id="117" name="直接箭头连接符 116"/>
+          <p:cNvCxnSpPr/>
+          <p:nvPr/>
+        </p:nvCxnSpPr>
+        <p:spPr>
+          <a:xfrm>
+            <a:off x="5328717" y="972170"/>
+            <a:ext cx="360040" cy="432048"/>
+          </a:xfrm>
+          <a:prstGeom prst="straightConnector1">
+            <a:avLst/>
+          </a:prstGeom>
+          <a:ln>
+            <a:tailEnd type="arrow"/>
+          </a:ln>
+        </p:spPr>
+        <p:style>
+          <a:lnRef idx="1">
+            <a:schemeClr val="accent1"/>
+          </a:lnRef>
+          <a:fillRef idx="0">
+            <a:schemeClr val="accent1"/>
+          </a:fillRef>
+          <a:effectRef idx="0">
+            <a:schemeClr val="accent1"/>
+          </a:effectRef>
+          <a:fontRef idx="minor">
+            <a:schemeClr val="tx1"/>
+          </a:fontRef>
+        </p:style>
+      </p:cxnSp>
+    </p:spTree>
+  </p:cSld>
+  <p:clrMapOvr>
+    <a:masterClrMapping/>
+  </p:clrMapOvr>
+</p:sld>
+</file>
+
+<file path=ppt/slides/slide2.xml><?xml version="1.0" encoding="utf-8"?>
+<p:sld xmlns:a="http://schemas.openxmlformats.org/drawingml/2006/main" xmlns:r="http://schemas.openxmlformats.org/officeDocument/2006/relationships" xmlns:p="http://schemas.openxmlformats.org/presentationml/2006/main">
+  <p:cSld>
+    <p:spTree>
+      <p:nvGrpSpPr>
+        <p:cNvPr id="1" name=""/>
+        <p:cNvGrpSpPr/>
+        <p:nvPr/>
+      </p:nvGrpSpPr>
+      <p:grpSpPr>
+        <a:xfrm>
+          <a:off x="0" y="0"/>
+          <a:ext cx="0" cy="0"/>
+          <a:chOff x="0" y="0"/>
+          <a:chExt cx="0" cy="0"/>
+        </a:xfrm>
+      </p:grpSpPr>
+      <p:sp>
+        <p:nvSpPr>
+          <p:cNvPr id="4" name="TextBox 3"/>
+          <p:cNvSpPr txBox="1"/>
+          <p:nvPr/>
+        </p:nvSpPr>
+        <p:spPr>
+          <a:xfrm>
+            <a:off x="1080245" y="396106"/>
+            <a:ext cx="972108" cy="276999"/>
+          </a:xfrm>
+          <a:prstGeom prst="rect">
+            <a:avLst/>
+          </a:prstGeom>
+          <a:solidFill>
+            <a:schemeClr val="bg1"/>
+          </a:solidFill>
+          <a:ln>
+            <a:solidFill>
+              <a:schemeClr val="bg1">
+                <a:lumMod val="50000"/>
+              </a:schemeClr>
+            </a:solidFill>
+          </a:ln>
+        </p:spPr>
+        <p:txBody>
+          <a:bodyPr wrap="square" rtlCol="0">
+            <a:spAutoFit/>
+          </a:bodyPr>
+          <a:lstStyle/>
+          <a:p>
+            <a:r>
+              <a:rPr lang="en-US" altLang="zh-CN" sz="1200" dirty="0" smtClean="0">
+                <a:latin typeface="Arial" pitchFamily="34" charset="0"/>
+                <a:cs typeface="Arial" pitchFamily="34" charset="0"/>
+              </a:rPr>
+              <a:t>tree-node</a:t>
+            </a:r>
+            <a:endParaRPr lang="en-US" altLang="zh-CN" sz="1200" dirty="0" smtClean="0">
+              <a:latin typeface="Arial" pitchFamily="34" charset="0"/>
+              <a:cs typeface="Arial" pitchFamily="34" charset="0"/>
             </a:endParaRPr>
           </a:p>
         </p:txBody>
